--- a/620 slides.pptx
+++ b/620 slides.pptx
@@ -7,12 +7,12 @@
   <p:sldIdLst>
     <p:sldId id="256" r:id="rId2"/>
     <p:sldId id="257" r:id="rId3"/>
-    <p:sldId id="258" r:id="rId4"/>
+    <p:sldId id="260" r:id="rId4"/>
     <p:sldId id="259" r:id="rId5"/>
-    <p:sldId id="260" r:id="rId6"/>
-    <p:sldId id="261" r:id="rId7"/>
-    <p:sldId id="262" r:id="rId8"/>
-    <p:sldId id="263" r:id="rId9"/>
+    <p:sldId id="264" r:id="rId6"/>
+    <p:sldId id="258" r:id="rId7"/>
+    <p:sldId id="261" r:id="rId8"/>
+    <p:sldId id="262" r:id="rId9"/>
   </p:sldIdLst>
   <p:sldSz cx="12192000" cy="6858000"/>
   <p:notesSz cx="6858000" cy="9144000"/>
@@ -111,7 +111,24 @@
       </a:defRPr>
     </a:lvl9pPr>
   </p:defaultTextStyle>
+  <p:extLst>
+    <p:ext uri="{EFAFB233-063F-42B5-8137-9DF3F51BA10A}">
+      <p15:sldGuideLst xmlns:p15="http://schemas.microsoft.com/office/powerpoint/2012/main"/>
+    </p:ext>
+  </p:extLst>
 </p:presentation>
+</file>
+
+<file path=ppt/commentAuthors.xml><?xml version="1.0" encoding="utf-8"?>
+<p:cmAuthorLst xmlns:a="http://schemas.openxmlformats.org/drawingml/2006/main" xmlns:r="http://schemas.openxmlformats.org/officeDocument/2006/relationships" xmlns:p="http://schemas.openxmlformats.org/presentationml/2006/main">
+  <p:cmAuthor id="1" name="Jonathan Julian" initials="JJ" lastIdx="1" clrIdx="0">
+    <p:extLst>
+      <p:ext uri="{19B8F6BF-5375-455C-9EA6-DF929625EA0E}">
+        <p15:presenceInfo xmlns:p15="http://schemas.microsoft.com/office/powerpoint/2012/main" userId="0d160281aac117c5" providerId="Windows Live"/>
+      </p:ext>
+    </p:extLst>
+  </p:cmAuthor>
+</p:cmAuthorLst>
 </file>
 
 <file path=ppt/slideLayouts/slideLayout1.xml><?xml version="1.0" encoding="utf-8"?>
@@ -306,7 +323,7 @@
             <a:fld id="{B61BEF0D-F0BB-DE4B-95CE-6DB70DBA9567}" type="datetimeFigureOut">
               <a:rPr lang="en-US" dirty="0"/>
               <a:pPr/>
-              <a:t>11/29/2019</a:t>
+              <a:t>12/10/2019</a:t>
             </a:fld>
             <a:endParaRPr lang="en-US" dirty="0"/>
           </a:p>
@@ -739,7 +756,7 @@
             <a:fld id="{B61BEF0D-F0BB-DE4B-95CE-6DB70DBA9567}" type="datetimeFigureOut">
               <a:rPr lang="en-US" dirty="0"/>
               <a:pPr/>
-              <a:t>11/29/2019</a:t>
+              <a:t>12/10/2019</a:t>
             </a:fld>
             <a:endParaRPr lang="en-US" dirty="0"/>
           </a:p>
@@ -986,7 +1003,7 @@
             <a:fld id="{B61BEF0D-F0BB-DE4B-95CE-6DB70DBA9567}" type="datetimeFigureOut">
               <a:rPr lang="en-US" dirty="0"/>
               <a:pPr/>
-              <a:t>11/29/2019</a:t>
+              <a:t>12/10/2019</a:t>
             </a:fld>
             <a:endParaRPr lang="en-US" dirty="0"/>
           </a:p>
@@ -1291,7 +1308,7 @@
             <a:fld id="{B61BEF0D-F0BB-DE4B-95CE-6DB70DBA9567}" type="datetimeFigureOut">
               <a:rPr lang="en-US" dirty="0"/>
               <a:pPr/>
-              <a:t>11/29/2019</a:t>
+              <a:t>12/10/2019</a:t>
             </a:fld>
             <a:endParaRPr lang="en-US" dirty="0"/>
           </a:p>
@@ -1606,7 +1623,7 @@
             <a:fld id="{B61BEF0D-F0BB-DE4B-95CE-6DB70DBA9567}" type="datetimeFigureOut">
               <a:rPr lang="en-US" dirty="0"/>
               <a:pPr/>
-              <a:t>11/29/2019</a:t>
+              <a:t>12/10/2019</a:t>
             </a:fld>
             <a:endParaRPr lang="en-US" dirty="0"/>
           </a:p>
@@ -1905,7 +1922,7 @@
             <a:fld id="{B61BEF0D-F0BB-DE4B-95CE-6DB70DBA9567}" type="datetimeFigureOut">
               <a:rPr lang="en-US" dirty="0"/>
               <a:pPr/>
-              <a:t>11/29/2019</a:t>
+              <a:t>12/10/2019</a:t>
             </a:fld>
             <a:endParaRPr lang="en-US" dirty="0"/>
           </a:p>
@@ -2269,7 +2286,7 @@
             <a:fld id="{B61BEF0D-F0BB-DE4B-95CE-6DB70DBA9567}" type="datetimeFigureOut">
               <a:rPr lang="en-US" dirty="0"/>
               <a:pPr/>
-              <a:t>11/29/2019</a:t>
+              <a:t>12/10/2019</a:t>
             </a:fld>
             <a:endParaRPr lang="en-US" dirty="0"/>
           </a:p>
@@ -2440,7 +2457,7 @@
             <a:fld id="{B61BEF0D-F0BB-DE4B-95CE-6DB70DBA9567}" type="datetimeFigureOut">
               <a:rPr lang="en-US" dirty="0"/>
               <a:pPr/>
-              <a:t>11/29/2019</a:t>
+              <a:t>12/10/2019</a:t>
             </a:fld>
             <a:endParaRPr lang="en-US" dirty="0"/>
           </a:p>
@@ -2617,7 +2634,7 @@
             <a:fld id="{B61BEF0D-F0BB-DE4B-95CE-6DB70DBA9567}" type="datetimeFigureOut">
               <a:rPr lang="en-US" dirty="0"/>
               <a:pPr/>
-              <a:t>11/29/2019</a:t>
+              <a:t>12/10/2019</a:t>
             </a:fld>
             <a:endParaRPr lang="en-US" dirty="0"/>
           </a:p>
@@ -2784,7 +2801,7 @@
             <a:fld id="{B61BEF0D-F0BB-DE4B-95CE-6DB70DBA9567}" type="datetimeFigureOut">
               <a:rPr lang="en-US" dirty="0"/>
               <a:pPr/>
-              <a:t>11/29/2019</a:t>
+              <a:t>12/10/2019</a:t>
             </a:fld>
             <a:endParaRPr lang="en-US" dirty="0"/>
           </a:p>
@@ -3031,7 +3048,7 @@
             <a:fld id="{B61BEF0D-F0BB-DE4B-95CE-6DB70DBA9567}" type="datetimeFigureOut">
               <a:rPr lang="en-US" dirty="0"/>
               <a:pPr/>
-              <a:t>11/29/2019</a:t>
+              <a:t>12/10/2019</a:t>
             </a:fld>
             <a:endParaRPr lang="en-US" dirty="0"/>
           </a:p>
@@ -3264,7 +3281,7 @@
             <a:fld id="{B61BEF0D-F0BB-DE4B-95CE-6DB70DBA9567}" type="datetimeFigureOut">
               <a:rPr lang="en-US" dirty="0"/>
               <a:pPr/>
-              <a:t>11/29/2019</a:t>
+              <a:t>12/10/2019</a:t>
             </a:fld>
             <a:endParaRPr lang="en-US" dirty="0"/>
           </a:p>
@@ -3643,7 +3660,7 @@
             <a:fld id="{B61BEF0D-F0BB-DE4B-95CE-6DB70DBA9567}" type="datetimeFigureOut">
               <a:rPr lang="en-US" dirty="0"/>
               <a:pPr/>
-              <a:t>11/29/2019</a:t>
+              <a:t>12/10/2019</a:t>
             </a:fld>
             <a:endParaRPr lang="en-US" dirty="0"/>
           </a:p>
@@ -3758,7 +3775,7 @@
             <a:fld id="{B61BEF0D-F0BB-DE4B-95CE-6DB70DBA9567}" type="datetimeFigureOut">
               <a:rPr lang="en-US" dirty="0"/>
               <a:pPr/>
-              <a:t>11/29/2019</a:t>
+              <a:t>12/10/2019</a:t>
             </a:fld>
             <a:endParaRPr lang="en-US" dirty="0"/>
           </a:p>
@@ -3850,7 +3867,7 @@
             <a:fld id="{B61BEF0D-F0BB-DE4B-95CE-6DB70DBA9567}" type="datetimeFigureOut">
               <a:rPr lang="en-US" dirty="0"/>
               <a:pPr/>
-              <a:t>11/29/2019</a:t>
+              <a:t>12/10/2019</a:t>
             </a:fld>
             <a:endParaRPr lang="en-US" dirty="0"/>
           </a:p>
@@ -4102,7 +4119,7 @@
             <a:fld id="{B61BEF0D-F0BB-DE4B-95CE-6DB70DBA9567}" type="datetimeFigureOut">
               <a:rPr lang="en-US" dirty="0"/>
               <a:pPr/>
-              <a:t>11/29/2019</a:t>
+              <a:t>12/10/2019</a:t>
             </a:fld>
             <a:endParaRPr lang="en-US" dirty="0"/>
           </a:p>
@@ -4382,7 +4399,7 @@
             <a:fld id="{B61BEF0D-F0BB-DE4B-95CE-6DB70DBA9567}" type="datetimeFigureOut">
               <a:rPr lang="en-US" dirty="0"/>
               <a:pPr/>
-              <a:t>11/29/2019</a:t>
+              <a:t>12/10/2019</a:t>
             </a:fld>
             <a:endParaRPr lang="en-US" dirty="0"/>
           </a:p>
@@ -4785,7 +4802,7 @@
             <a:fld id="{B61BEF0D-F0BB-DE4B-95CE-6DB70DBA9567}" type="datetimeFigureOut">
               <a:rPr lang="en-US" dirty="0"/>
               <a:pPr/>
-              <a:t>11/29/2019</a:t>
+              <a:t>12/10/2019</a:t>
             </a:fld>
             <a:endParaRPr lang="en-US" dirty="0"/>
           </a:p>
@@ -5368,25 +5385,41 @@
           <a:lstStyle/>
           <a:p>
             <a:r>
-              <a:rPr lang="en-US" dirty="0"/>
+              <a:rPr lang="en-US" dirty="0">
+                <a:solidFill>
+                  <a:schemeClr val="tx1"/>
+                </a:solidFill>
+              </a:rPr>
               <a:t>Created by:</a:t>
             </a:r>
           </a:p>
           <a:p>
             <a:r>
-              <a:rPr lang="en-US" dirty="0"/>
+              <a:rPr lang="en-US" dirty="0">
+                <a:solidFill>
+                  <a:schemeClr val="tx1"/>
+                </a:solidFill>
+              </a:rPr>
               <a:t>Carlos Lopez</a:t>
             </a:r>
           </a:p>
           <a:p>
             <a:r>
-              <a:rPr lang="en-US" dirty="0"/>
+              <a:rPr lang="en-US" dirty="0">
+                <a:solidFill>
+                  <a:schemeClr val="tx1"/>
+                </a:solidFill>
+              </a:rPr>
               <a:t>And</a:t>
             </a:r>
           </a:p>
           <a:p>
             <a:r>
-              <a:rPr lang="en-US" dirty="0"/>
+              <a:rPr lang="en-US" dirty="0">
+                <a:solidFill>
+                  <a:schemeClr val="tx1"/>
+                </a:solidFill>
+              </a:rPr>
               <a:t>Jonathan Julian</a:t>
             </a:r>
           </a:p>
@@ -5450,7 +5483,7 @@
           <a:p>
             <a:r>
               <a:rPr lang="en-US" dirty="0"/>
-              <a:t>Concept and premise</a:t>
+              <a:t>Concept and premise (Introduction)</a:t>
             </a:r>
           </a:p>
         </p:txBody>
@@ -5486,7 +5519,11 @@
               <a:buChar char="•"/>
             </a:pPr>
             <a:r>
-              <a:rPr lang="en-US" dirty="0"/>
+              <a:rPr lang="en-US" dirty="0">
+                <a:solidFill>
+                  <a:schemeClr val="tx1"/>
+                </a:solidFill>
+              </a:rPr>
               <a:t>Simple QA (question and answer) machine with user text input</a:t>
             </a:r>
           </a:p>
@@ -5496,35 +5533,55 @@
               <a:buChar char="•"/>
             </a:pPr>
             <a:r>
-              <a:rPr lang="en-US" dirty="0"/>
+              <a:rPr lang="en-US" dirty="0">
+                <a:solidFill>
+                  <a:schemeClr val="tx1"/>
+                </a:solidFill>
+              </a:rPr>
               <a:t>Database provided by Kaggle</a:t>
             </a:r>
           </a:p>
           <a:p>
+            <a:pPr marL="800100" lvl="1" indent="-342900">
+              <a:buFont typeface="Arial" panose="020B0604020202020204" pitchFamily="34" charset="0"/>
+              <a:buChar char="•"/>
+            </a:pPr>
+            <a:r>
+              <a:rPr lang="en-US" dirty="0">
+                <a:solidFill>
+                  <a:schemeClr val="tx1"/>
+                </a:solidFill>
+              </a:rPr>
+              <a:t>Closed Set</a:t>
+            </a:r>
+          </a:p>
+          <a:p>
+            <a:pPr marL="800100" lvl="1" indent="-342900">
+              <a:buFont typeface="Arial" panose="020B0604020202020204" pitchFamily="34" charset="0"/>
+              <a:buChar char="•"/>
+            </a:pPr>
+            <a:r>
+              <a:rPr lang="en-US" dirty="0">
+                <a:solidFill>
+                  <a:schemeClr val="tx1"/>
+                </a:solidFill>
+              </a:rPr>
+              <a:t>Closed Domain</a:t>
+            </a:r>
+          </a:p>
+          <a:p>
             <a:pPr marL="342900" indent="-342900">
               <a:buFont typeface="Arial" panose="020B0604020202020204" pitchFamily="34" charset="0"/>
               <a:buChar char="•"/>
             </a:pPr>
             <a:r>
-              <a:rPr lang="en-US" dirty="0"/>
+              <a:rPr lang="en-US" dirty="0">
+                <a:solidFill>
+                  <a:schemeClr val="tx1"/>
+                </a:solidFill>
+              </a:rPr>
               <a:t>Statistics are only for players for seasons since 1950’s</a:t>
             </a:r>
-          </a:p>
-          <a:p>
-            <a:pPr marL="342900" indent="-342900">
-              <a:buFont typeface="Arial" panose="020B0604020202020204" pitchFamily="34" charset="0"/>
-              <a:buChar char="•"/>
-            </a:pPr>
-            <a:r>
-              <a:rPr lang="en-US" dirty="0"/>
-              <a:t>Closed system (DB only answers)</a:t>
-            </a:r>
-          </a:p>
-          <a:p>
-            <a:pPr marL="342900" indent="-342900">
-              <a:buFont typeface="Arial" panose="020B0604020202020204" pitchFamily="34" charset="0"/>
-              <a:buChar char="•"/>
-            </a:pPr>
             <a:endParaRPr lang="en-US" dirty="0"/>
           </a:p>
           <a:p>
@@ -5567,7 +5624,7 @@
           <p:cNvPr id="2" name="Title 1">
             <a:extLst>
               <a:ext uri="{FF2B5EF4-FFF2-40B4-BE49-F238E27FC236}">
-                <a16:creationId xmlns:a16="http://schemas.microsoft.com/office/drawing/2014/main" id="{8C08484E-CA5A-428A-B44D-2D48B5179F97}"/>
+                <a16:creationId xmlns:a16="http://schemas.microsoft.com/office/drawing/2014/main" id="{6F7665C5-5760-4366-A2ED-4C18CE22C1F8}"/>
               </a:ext>
             </a:extLst>
           </p:cNvPr>
@@ -5580,8 +5637,8 @@
         </p:nvSpPr>
         <p:spPr>
           <a:xfrm>
-            <a:off x="684213" y="685800"/>
-            <a:ext cx="10058400" cy="758371"/>
+            <a:off x="684212" y="638735"/>
+            <a:ext cx="10058400" cy="722086"/>
           </a:xfrm>
         </p:spPr>
         <p:txBody>
@@ -5590,7 +5647,7 @@
           <a:p>
             <a:r>
               <a:rPr lang="en-US" dirty="0"/>
-              <a:t>Process</a:t>
+              <a:t>Types of Questions this system can answer</a:t>
             </a:r>
           </a:p>
         </p:txBody>
@@ -5600,7 +5657,7 @@
           <p:cNvPr id="3" name="Text Placeholder 2">
             <a:extLst>
               <a:ext uri="{FF2B5EF4-FFF2-40B4-BE49-F238E27FC236}">
-                <a16:creationId xmlns:a16="http://schemas.microsoft.com/office/drawing/2014/main" id="{5A35F6F3-F14A-483A-BF5D-AB82F5D16D90}"/>
+                <a16:creationId xmlns:a16="http://schemas.microsoft.com/office/drawing/2014/main" id="{EF02BE9A-40B1-419A-9EF5-8FC229A12317}"/>
               </a:ext>
             </a:extLst>
           </p:cNvPr>
@@ -5613,8 +5670,8 @@
         </p:nvSpPr>
         <p:spPr>
           <a:xfrm>
-            <a:off x="684212" y="1582057"/>
-            <a:ext cx="8535988" cy="4412343"/>
+            <a:off x="684212" y="1458686"/>
+            <a:ext cx="8535988" cy="4535714"/>
           </a:xfrm>
         </p:spPr>
         <p:txBody>
@@ -5626,8 +5683,40 @@
               <a:buChar char="•"/>
             </a:pPr>
             <a:r>
-              <a:rPr lang="en-US" dirty="0"/>
-              <a:t>Tokenize words</a:t>
+              <a:rPr lang="en-US" dirty="0">
+                <a:solidFill>
+                  <a:schemeClr val="tx1"/>
+                </a:solidFill>
+              </a:rPr>
+              <a:t>Minimum or maximum stats with or without given year</a:t>
+            </a:r>
+          </a:p>
+          <a:p>
+            <a:pPr marL="800100" lvl="1" indent="-342900">
+              <a:buFont typeface="Arial" panose="020B0604020202020204" pitchFamily="34" charset="0"/>
+              <a:buChar char="•"/>
+            </a:pPr>
+            <a:r>
+              <a:rPr lang="en-US" dirty="0">
+                <a:solidFill>
+                  <a:schemeClr val="tx1"/>
+                </a:solidFill>
+              </a:rPr>
+              <a:t>Who played the most games?</a:t>
+            </a:r>
+          </a:p>
+          <a:p>
+            <a:pPr marL="800100" lvl="1" indent="-342900">
+              <a:buFont typeface="Arial" panose="020B0604020202020204" pitchFamily="34" charset="0"/>
+              <a:buChar char="•"/>
+            </a:pPr>
+            <a:r>
+              <a:rPr lang="en-US" dirty="0">
+                <a:solidFill>
+                  <a:schemeClr val="tx1"/>
+                </a:solidFill>
+              </a:rPr>
+              <a:t>Who had the lowest three point average in 2010?</a:t>
             </a:r>
           </a:p>
           <a:p>
@@ -5636,8 +5725,42 @@
               <a:buChar char="•"/>
             </a:pPr>
             <a:r>
-              <a:rPr lang="en-US" dirty="0"/>
-              <a:t>Capture Edge case words</a:t>
+              <a:rPr lang="en-US" dirty="0">
+                <a:solidFill>
+                  <a:schemeClr val="tx1"/>
+                </a:solidFill>
+              </a:rPr>
+              <a:t>Direct information</a:t>
+            </a:r>
+          </a:p>
+          <a:p>
+            <a:pPr marL="800100" lvl="1" indent="-342900">
+              <a:buFont typeface="Arial" panose="020B0604020202020204" pitchFamily="34" charset="0"/>
+              <a:buChar char="•"/>
+            </a:pPr>
+            <a:r>
+              <a:rPr lang="en-US" dirty="0">
+                <a:solidFill>
+                  <a:schemeClr val="tx1"/>
+                </a:solidFill>
+              </a:rPr>
+              <a:t>How tall is </a:t>
+            </a:r>
+            <a:r>
+              <a:rPr lang="en-US" u="sng" dirty="0">
+                <a:solidFill>
+                  <a:schemeClr val="tx1"/>
+                </a:solidFill>
+              </a:rPr>
+              <a:t>     Player Name      </a:t>
+            </a:r>
+            <a:r>
+              <a:rPr lang="en-US" dirty="0">
+                <a:solidFill>
+                  <a:schemeClr val="tx1"/>
+                </a:solidFill>
+              </a:rPr>
+              <a:t>?</a:t>
             </a:r>
           </a:p>
           <a:p>
@@ -5646,46 +5769,71 @@
               <a:buChar char="•"/>
             </a:pPr>
             <a:r>
-              <a:rPr lang="en-US" dirty="0"/>
-              <a:t>POS tag words</a:t>
-            </a:r>
-          </a:p>
-          <a:p>
-            <a:pPr marL="342900" indent="-342900">
-              <a:buFont typeface="Arial" panose="020B0604020202020204" pitchFamily="34" charset="0"/>
-              <a:buChar char="•"/>
-            </a:pPr>
-            <a:r>
-              <a:rPr lang="en-US" dirty="0"/>
-              <a:t>DB query/NER tagging</a:t>
-            </a:r>
-          </a:p>
-          <a:p>
-            <a:pPr marL="342900" indent="-342900">
-              <a:buFont typeface="Arial" panose="020B0604020202020204" pitchFamily="34" charset="0"/>
-              <a:buChar char="•"/>
-            </a:pPr>
-            <a:r>
-              <a:rPr lang="en-US" dirty="0"/>
-              <a:t>Triangulate responses</a:t>
-            </a:r>
-          </a:p>
-          <a:p>
-            <a:pPr marL="342900" indent="-342900">
-              <a:buFont typeface="Arial" panose="020B0604020202020204" pitchFamily="34" charset="0"/>
-              <a:buChar char="•"/>
-            </a:pPr>
-            <a:r>
-              <a:rPr lang="en-US" dirty="0"/>
-              <a:t>Return response based on context clues.</a:t>
-            </a:r>
+              <a:rPr lang="en-US" dirty="0">
+                <a:solidFill>
+                  <a:schemeClr val="tx1"/>
+                </a:solidFill>
+              </a:rPr>
+              <a:t>Comparisons</a:t>
+            </a:r>
+          </a:p>
+          <a:p>
+            <a:pPr marL="800100" lvl="1" indent="-342900">
+              <a:buFont typeface="Arial" panose="020B0604020202020204" pitchFamily="34" charset="0"/>
+              <a:buChar char="•"/>
+            </a:pPr>
+            <a:r>
+              <a:rPr lang="en-US" dirty="0">
+                <a:solidFill>
+                  <a:schemeClr val="tx1"/>
+                </a:solidFill>
+              </a:rPr>
+              <a:t>Who had more points, </a:t>
+            </a:r>
+            <a:r>
+              <a:rPr lang="en-US" u="sng" dirty="0">
+                <a:solidFill>
+                  <a:schemeClr val="tx1"/>
+                </a:solidFill>
+              </a:rPr>
+              <a:t>    Player 1      </a:t>
+            </a:r>
+            <a:r>
+              <a:rPr lang="en-US" dirty="0">
+                <a:solidFill>
+                  <a:schemeClr val="tx1"/>
+                </a:solidFill>
+              </a:rPr>
+              <a:t>  or </a:t>
+            </a:r>
+            <a:r>
+              <a:rPr lang="en-US" u="sng" dirty="0">
+                <a:solidFill>
+                  <a:schemeClr val="tx1"/>
+                </a:solidFill>
+              </a:rPr>
+              <a:t>    Player 2    </a:t>
+            </a:r>
+            <a:r>
+              <a:rPr lang="en-US" dirty="0">
+                <a:solidFill>
+                  <a:schemeClr val="tx1"/>
+                </a:solidFill>
+              </a:rPr>
+              <a:t>.</a:t>
+            </a:r>
+            <a:endParaRPr lang="en-US" u="sng" dirty="0">
+              <a:solidFill>
+                <a:schemeClr val="tx1"/>
+              </a:solidFill>
+            </a:endParaRPr>
           </a:p>
         </p:txBody>
       </p:sp>
     </p:spTree>
     <p:extLst>
       <p:ext uri="{BB962C8B-B14F-4D97-AF65-F5344CB8AC3E}">
-        <p14:creationId xmlns:p14="http://schemas.microsoft.com/office/powerpoint/2010/main" val="883023003"/>
+        <p14:creationId xmlns:p14="http://schemas.microsoft.com/office/powerpoint/2010/main" val="1040924240"/>
       </p:ext>
     </p:extLst>
   </p:cSld>
@@ -5776,16 +5924,12 @@
               <a:buChar char="•"/>
             </a:pPr>
             <a:r>
-              <a:rPr lang="en-US" dirty="0"/>
-              <a:t>NER tagging (capitalization, spelling </a:t>
-            </a:r>
-            <a:r>
-              <a:rPr lang="en-US" dirty="0" err="1"/>
-              <a:t>etc</a:t>
-            </a:r>
-            <a:r>
-              <a:rPr lang="en-US" dirty="0"/>
-              <a:t>)</a:t>
+              <a:rPr lang="en-US" dirty="0">
+                <a:solidFill>
+                  <a:schemeClr val="bg1"/>
+                </a:solidFill>
+              </a:rPr>
+              <a:t>NER tagging (capitalization, spelling, etc.)</a:t>
             </a:r>
           </a:p>
           <a:p>
@@ -5794,7 +5938,11 @@
               <a:buChar char="•"/>
             </a:pPr>
             <a:r>
-              <a:rPr lang="en-US" dirty="0"/>
+              <a:rPr lang="en-US" dirty="0">
+                <a:solidFill>
+                  <a:schemeClr val="bg1"/>
+                </a:solidFill>
+              </a:rPr>
               <a:t>POS tagging (Stanford vs NLTK)</a:t>
             </a:r>
           </a:p>
@@ -5804,7 +5952,11 @@
               <a:buChar char="•"/>
             </a:pPr>
             <a:r>
-              <a:rPr lang="en-US" dirty="0"/>
+              <a:rPr lang="en-US" dirty="0">
+                <a:solidFill>
+                  <a:schemeClr val="bg1"/>
+                </a:solidFill>
+              </a:rPr>
               <a:t>Lookup Table</a:t>
             </a:r>
           </a:p>
@@ -5814,7 +5966,11 @@
               <a:buChar char="•"/>
             </a:pPr>
             <a:r>
-              <a:rPr lang="en-US" dirty="0"/>
+              <a:rPr lang="en-US" dirty="0">
+                <a:solidFill>
+                  <a:schemeClr val="bg1"/>
+                </a:solidFill>
+              </a:rPr>
               <a:t>Scope of knowledge  -- we knew what worked and what wouldn’t</a:t>
             </a:r>
           </a:p>
@@ -5823,7 +5979,14 @@
               <a:buFont typeface="Arial" panose="020B0604020202020204" pitchFamily="34" charset="0"/>
               <a:buChar char="•"/>
             </a:pPr>
-            <a:endParaRPr lang="en-US" dirty="0"/>
+            <a:r>
+              <a:rPr lang="en-US" dirty="0">
+                <a:solidFill>
+                  <a:schemeClr val="bg1"/>
+                </a:solidFill>
+              </a:rPr>
+              <a:t>Distance/Communication</a:t>
+            </a:r>
           </a:p>
         </p:txBody>
       </p:sp>
@@ -5862,7 +6025,7 @@
           <p:cNvPr id="2" name="Title 1">
             <a:extLst>
               <a:ext uri="{FF2B5EF4-FFF2-40B4-BE49-F238E27FC236}">
-                <a16:creationId xmlns:a16="http://schemas.microsoft.com/office/drawing/2014/main" id="{6F7665C5-5760-4366-A2ED-4C18CE22C1F8}"/>
+                <a16:creationId xmlns:a16="http://schemas.microsoft.com/office/drawing/2014/main" id="{DC607624-B364-4347-88C7-23AD7615F64E}"/>
               </a:ext>
             </a:extLst>
           </p:cNvPr>
@@ -5876,7 +6039,7 @@
         <p:spPr>
           <a:xfrm>
             <a:off x="684213" y="685800"/>
-            <a:ext cx="10058400" cy="722086"/>
+            <a:ext cx="10058400" cy="611841"/>
           </a:xfrm>
         </p:spPr>
         <p:txBody>
@@ -5885,7 +6048,7 @@
           <a:p>
             <a:r>
               <a:rPr lang="en-US" dirty="0"/>
-              <a:t>Types of Questions this system can answer</a:t>
+              <a:t>Previous Iterations</a:t>
             </a:r>
           </a:p>
         </p:txBody>
@@ -5895,7 +6058,7 @@
           <p:cNvPr id="3" name="Text Placeholder 2">
             <a:extLst>
               <a:ext uri="{FF2B5EF4-FFF2-40B4-BE49-F238E27FC236}">
-                <a16:creationId xmlns:a16="http://schemas.microsoft.com/office/drawing/2014/main" id="{EF02BE9A-40B1-419A-9EF5-8FC229A12317}"/>
+                <a16:creationId xmlns:a16="http://schemas.microsoft.com/office/drawing/2014/main" id="{A9F8154D-3E18-4B23-A416-D5C673254517}"/>
               </a:ext>
             </a:extLst>
           </p:cNvPr>
@@ -5908,8 +6071,8 @@
         </p:nvSpPr>
         <p:spPr>
           <a:xfrm>
-            <a:off x="684212" y="1458686"/>
-            <a:ext cx="8535988" cy="4535714"/>
+            <a:off x="684212" y="1485900"/>
+            <a:ext cx="8535988" cy="4508500"/>
           </a:xfrm>
         </p:spPr>
         <p:txBody>
@@ -5921,28 +6084,12 @@
               <a:buChar char="•"/>
             </a:pPr>
             <a:r>
-              <a:rPr lang="en-US" dirty="0"/>
-              <a:t>Minimum or maximum stats with or without given year</a:t>
-            </a:r>
-          </a:p>
-          <a:p>
-            <a:pPr marL="800100" lvl="1" indent="-342900">
-              <a:buFont typeface="Arial" panose="020B0604020202020204" pitchFamily="34" charset="0"/>
-              <a:buChar char="•"/>
-            </a:pPr>
-            <a:r>
-              <a:rPr lang="en-US" dirty="0"/>
-              <a:t>Who played the most games?</a:t>
-            </a:r>
-          </a:p>
-          <a:p>
-            <a:pPr marL="800100" lvl="1" indent="-342900">
-              <a:buFont typeface="Arial" panose="020B0604020202020204" pitchFamily="34" charset="0"/>
-              <a:buChar char="•"/>
-            </a:pPr>
-            <a:r>
-              <a:rPr lang="en-US" dirty="0"/>
-              <a:t>Who had the lowest three point average in 2010?</a:t>
+              <a:rPr lang="en-US" dirty="0">
+                <a:solidFill>
+                  <a:schemeClr val="bg1"/>
+                </a:solidFill>
+              </a:rPr>
+              <a:t>Text Categorization (lit. review)</a:t>
             </a:r>
           </a:p>
           <a:p>
@@ -5951,26 +6098,12 @@
               <a:buChar char="•"/>
             </a:pPr>
             <a:r>
-              <a:rPr lang="en-US" dirty="0"/>
-              <a:t>Direct information</a:t>
-            </a:r>
-          </a:p>
-          <a:p>
-            <a:pPr marL="800100" lvl="1" indent="-342900">
-              <a:buFont typeface="Arial" panose="020B0604020202020204" pitchFamily="34" charset="0"/>
-              <a:buChar char="•"/>
-            </a:pPr>
-            <a:r>
-              <a:rPr lang="en-US" dirty="0"/>
-              <a:t>How tall is </a:t>
-            </a:r>
-            <a:r>
-              <a:rPr lang="en-US" u="sng" dirty="0"/>
-              <a:t>     Player Name      </a:t>
-            </a:r>
-            <a:r>
-              <a:rPr lang="en-US" dirty="0"/>
-              <a:t>?</a:t>
+              <a:rPr lang="en-US" dirty="0">
+                <a:solidFill>
+                  <a:schemeClr val="tx1"/>
+                </a:solidFill>
+              </a:rPr>
+              <a:t>Transition to Stanford POS</a:t>
             </a:r>
           </a:p>
           <a:p>
@@ -5979,43 +6112,34 @@
               <a:buChar char="•"/>
             </a:pPr>
             <a:r>
-              <a:rPr lang="en-US" dirty="0"/>
-              <a:t>Comparisons</a:t>
-            </a:r>
-          </a:p>
-          <a:p>
-            <a:pPr marL="800100" lvl="1" indent="-342900">
-              <a:buFont typeface="Arial" panose="020B0604020202020204" pitchFamily="34" charset="0"/>
-              <a:buChar char="•"/>
-            </a:pPr>
-            <a:r>
-              <a:rPr lang="en-US" dirty="0"/>
-              <a:t>Who had more points, </a:t>
-            </a:r>
-            <a:r>
-              <a:rPr lang="en-US" u="sng" dirty="0"/>
-              <a:t>    Player 1      </a:t>
-            </a:r>
-            <a:r>
-              <a:rPr lang="en-US" dirty="0"/>
-              <a:t>  or </a:t>
-            </a:r>
-            <a:r>
-              <a:rPr lang="en-US" u="sng" dirty="0"/>
-              <a:t>    Player 2    </a:t>
-            </a:r>
-            <a:r>
-              <a:rPr lang="en-US" dirty="0"/>
-              <a:t>.</a:t>
-            </a:r>
-            <a:endParaRPr lang="en-US" u="sng" dirty="0"/>
+              <a:rPr lang="en-US" dirty="0">
+                <a:solidFill>
+                  <a:schemeClr val="bg1"/>
+                </a:solidFill>
+              </a:rPr>
+              <a:t>NER Tagging Only</a:t>
+            </a:r>
+          </a:p>
+          <a:p>
+            <a:pPr marL="342900" indent="-342900">
+              <a:buFont typeface="Arial" panose="020B0604020202020204" pitchFamily="34" charset="0"/>
+              <a:buChar char="•"/>
+            </a:pPr>
+            <a:r>
+              <a:rPr lang="en-US" dirty="0">
+                <a:solidFill>
+                  <a:schemeClr val="tx1"/>
+                </a:solidFill>
+              </a:rPr>
+              <a:t>Combination of all</a:t>
+            </a:r>
           </a:p>
         </p:txBody>
       </p:sp>
     </p:spTree>
     <p:extLst>
       <p:ext uri="{BB962C8B-B14F-4D97-AF65-F5344CB8AC3E}">
-        <p14:creationId xmlns:p14="http://schemas.microsoft.com/office/powerpoint/2010/main" val="1040924240"/>
+        <p14:creationId xmlns:p14="http://schemas.microsoft.com/office/powerpoint/2010/main" val="270233393"/>
       </p:ext>
     </p:extLst>
   </p:cSld>
@@ -6047,7 +6171,7 @@
           <p:cNvPr id="2" name="Title 1">
             <a:extLst>
               <a:ext uri="{FF2B5EF4-FFF2-40B4-BE49-F238E27FC236}">
-                <a16:creationId xmlns:a16="http://schemas.microsoft.com/office/drawing/2014/main" id="{0C3258B6-C23D-485F-81A6-3085930A6C79}"/>
+                <a16:creationId xmlns:a16="http://schemas.microsoft.com/office/drawing/2014/main" id="{8C08484E-CA5A-428A-B44D-2D48B5179F97}"/>
               </a:ext>
             </a:extLst>
           </p:cNvPr>
@@ -6061,16 +6185,18 @@
         <p:spPr>
           <a:xfrm>
             <a:off x="684213" y="685800"/>
-            <a:ext cx="10058400" cy="787400"/>
+            <a:ext cx="10058400" cy="758371"/>
           </a:xfrm>
         </p:spPr>
         <p:txBody>
-          <a:bodyPr/>
+          <a:bodyPr>
+            <a:normAutofit/>
+          </a:bodyPr>
           <a:lstStyle/>
           <a:p>
             <a:r>
               <a:rPr lang="en-US" dirty="0"/>
-              <a:t>Statistics we have</a:t>
+              <a:t>Process (Current approach)</a:t>
             </a:r>
           </a:p>
         </p:txBody>
@@ -6080,7 +6206,7 @@
           <p:cNvPr id="3" name="Text Placeholder 2">
             <a:extLst>
               <a:ext uri="{FF2B5EF4-FFF2-40B4-BE49-F238E27FC236}">
-                <a16:creationId xmlns:a16="http://schemas.microsoft.com/office/drawing/2014/main" id="{67CDFAF9-5CA8-46C9-88BC-EEE78BE0E6ED}"/>
+                <a16:creationId xmlns:a16="http://schemas.microsoft.com/office/drawing/2014/main" id="{5A35F6F3-F14A-483A-BF5D-AB82F5D16D90}"/>
               </a:ext>
             </a:extLst>
           </p:cNvPr>
@@ -6093,14 +6219,12 @@
         </p:nvSpPr>
         <p:spPr>
           <a:xfrm>
-            <a:off x="684211" y="1473199"/>
-            <a:ext cx="10767559" cy="5159829"/>
+            <a:off x="684212" y="1582057"/>
+            <a:ext cx="8535988" cy="4412343"/>
           </a:xfrm>
         </p:spPr>
         <p:txBody>
-          <a:bodyPr numCol="5">
-            <a:normAutofit lnSpcReduction="10000"/>
-          </a:bodyPr>
+          <a:bodyPr/>
           <a:lstStyle/>
           <a:p>
             <a:pPr marL="342900" indent="-342900">
@@ -6108,12 +6232,12 @@
               <a:buChar char="•"/>
             </a:pPr>
             <a:r>
-              <a:rPr lang="en-US" b="1" dirty="0">
+              <a:rPr lang="en-US" dirty="0">
                 <a:solidFill>
                   <a:schemeClr val="bg1"/>
                 </a:solidFill>
               </a:rPr>
-              <a:t>Position </a:t>
+              <a:t>DB query/NER tagging</a:t>
             </a:r>
           </a:p>
           <a:p>
@@ -6122,12 +6246,12 @@
               <a:buChar char="•"/>
             </a:pPr>
             <a:r>
-              <a:rPr lang="en-US" b="1" dirty="0">
+              <a:rPr lang="en-US" dirty="0">
                 <a:solidFill>
                   <a:schemeClr val="bg1"/>
                 </a:solidFill>
               </a:rPr>
-              <a:t>Age </a:t>
+              <a:t>POS tag words</a:t>
             </a:r>
           </a:p>
           <a:p>
@@ -6136,767 +6260,40 @@
               <a:buChar char="•"/>
             </a:pPr>
             <a:r>
-              <a:rPr lang="en-US" b="1" dirty="0">
+              <a:rPr lang="en-US" dirty="0">
+                <a:solidFill>
+                  <a:schemeClr val="tx1"/>
+                </a:solidFill>
+              </a:rPr>
+              <a:t>Tokenize words</a:t>
+            </a:r>
+          </a:p>
+          <a:p>
+            <a:pPr marL="342900" indent="-342900">
+              <a:buFont typeface="Arial" panose="020B0604020202020204" pitchFamily="34" charset="0"/>
+              <a:buChar char="•"/>
+            </a:pPr>
+            <a:r>
+              <a:rPr lang="en-US" dirty="0">
+                <a:solidFill>
+                  <a:schemeClr val="tx1"/>
+                </a:solidFill>
+              </a:rPr>
+              <a:t>Capture Edge/special case words</a:t>
+            </a:r>
+          </a:p>
+          <a:p>
+            <a:pPr marL="342900" indent="-342900">
+              <a:buFont typeface="Arial" panose="020B0604020202020204" pitchFamily="34" charset="0"/>
+              <a:buChar char="•"/>
+            </a:pPr>
+            <a:r>
+              <a:rPr lang="en-US" dirty="0">
                 <a:solidFill>
                   <a:schemeClr val="bg1"/>
                 </a:solidFill>
               </a:rPr>
-              <a:t>Team </a:t>
-            </a:r>
-          </a:p>
-          <a:p>
-            <a:pPr marL="342900" indent="-342900">
-              <a:buFont typeface="Arial" panose="020B0604020202020204" pitchFamily="34" charset="0"/>
-              <a:buChar char="•"/>
-            </a:pPr>
-            <a:r>
-              <a:rPr lang="en-US" b="1" dirty="0">
-                <a:solidFill>
-                  <a:schemeClr val="bg1"/>
-                </a:solidFill>
-              </a:rPr>
-              <a:t>G </a:t>
-            </a:r>
-          </a:p>
-          <a:p>
-            <a:pPr marL="342900" indent="-342900">
-              <a:buFont typeface="Arial" panose="020B0604020202020204" pitchFamily="34" charset="0"/>
-              <a:buChar char="•"/>
-            </a:pPr>
-            <a:r>
-              <a:rPr lang="en-US" b="1" dirty="0">
-                <a:solidFill>
-                  <a:schemeClr val="bg1"/>
-                </a:solidFill>
-              </a:rPr>
-              <a:t>GS </a:t>
-            </a:r>
-          </a:p>
-          <a:p>
-            <a:pPr marL="342900" indent="-342900">
-              <a:buFont typeface="Arial" panose="020B0604020202020204" pitchFamily="34" charset="0"/>
-              <a:buChar char="•"/>
-            </a:pPr>
-            <a:r>
-              <a:rPr lang="en-US" b="1" dirty="0">
-                <a:solidFill>
-                  <a:schemeClr val="bg1"/>
-                </a:solidFill>
-              </a:rPr>
-              <a:t>MP </a:t>
-            </a:r>
-          </a:p>
-          <a:p>
-            <a:pPr marL="342900" indent="-342900">
-              <a:buFont typeface="Arial" panose="020B0604020202020204" pitchFamily="34" charset="0"/>
-              <a:buChar char="•"/>
-            </a:pPr>
-            <a:r>
-              <a:rPr lang="en-US" b="1" dirty="0">
-                <a:solidFill>
-                  <a:schemeClr val="bg1"/>
-                </a:solidFill>
-              </a:rPr>
-              <a:t>PER </a:t>
-            </a:r>
-          </a:p>
-          <a:p>
-            <a:pPr marL="342900" indent="-342900">
-              <a:buFont typeface="Arial" panose="020B0604020202020204" pitchFamily="34" charset="0"/>
-              <a:buChar char="•"/>
-            </a:pPr>
-            <a:r>
-              <a:rPr lang="en-US" b="1" dirty="0">
-                <a:solidFill>
-                  <a:schemeClr val="bg1"/>
-                </a:solidFill>
-              </a:rPr>
-              <a:t>TS% </a:t>
-            </a:r>
-          </a:p>
-          <a:p>
-            <a:pPr marL="342900" indent="-342900">
-              <a:buFont typeface="Arial" panose="020B0604020202020204" pitchFamily="34" charset="0"/>
-              <a:buChar char="•"/>
-            </a:pPr>
-            <a:r>
-              <a:rPr lang="en-US" b="1" dirty="0">
-                <a:solidFill>
-                  <a:schemeClr val="bg1"/>
-                </a:solidFill>
-              </a:rPr>
-              <a:t>3PAr </a:t>
-            </a:r>
-          </a:p>
-          <a:p>
-            <a:pPr marL="342900" indent="-342900">
-              <a:buFont typeface="Arial" panose="020B0604020202020204" pitchFamily="34" charset="0"/>
-              <a:buChar char="•"/>
-            </a:pPr>
-            <a:r>
-              <a:rPr lang="en-US" b="1" dirty="0" err="1">
-                <a:solidFill>
-                  <a:schemeClr val="bg1"/>
-                </a:solidFill>
-              </a:rPr>
-              <a:t>FTr</a:t>
-            </a:r>
-            <a:endParaRPr lang="en-US" b="1" dirty="0">
-              <a:solidFill>
-                <a:schemeClr val="bg1"/>
-              </a:solidFill>
-            </a:endParaRPr>
-          </a:p>
-          <a:p>
-            <a:pPr marL="342900" indent="-342900">
-              <a:buFont typeface="Arial" panose="020B0604020202020204" pitchFamily="34" charset="0"/>
-              <a:buChar char="•"/>
-            </a:pPr>
-            <a:r>
-              <a:rPr lang="en-US" b="1" dirty="0">
-                <a:solidFill>
-                  <a:schemeClr val="bg1"/>
-                </a:solidFill>
-              </a:rPr>
-              <a:t>ORB% </a:t>
-            </a:r>
-          </a:p>
-          <a:p>
-            <a:pPr marL="342900" indent="-342900">
-              <a:buFont typeface="Arial" panose="020B0604020202020204" pitchFamily="34" charset="0"/>
-              <a:buChar char="•"/>
-            </a:pPr>
-            <a:r>
-              <a:rPr lang="en-US" b="1" dirty="0">
-                <a:solidFill>
-                  <a:schemeClr val="bg1"/>
-                </a:solidFill>
-              </a:rPr>
-              <a:t>DRB% </a:t>
-            </a:r>
-          </a:p>
-          <a:p>
-            <a:pPr marL="342900" indent="-342900">
-              <a:buFont typeface="Arial" panose="020B0604020202020204" pitchFamily="34" charset="0"/>
-              <a:buChar char="•"/>
-            </a:pPr>
-            <a:r>
-              <a:rPr lang="en-US" b="1" dirty="0">
-                <a:solidFill>
-                  <a:schemeClr val="bg1"/>
-                </a:solidFill>
-              </a:rPr>
-              <a:t>TRB% </a:t>
-            </a:r>
-          </a:p>
-          <a:p>
-            <a:pPr marL="342900" indent="-342900">
-              <a:buFont typeface="Arial" panose="020B0604020202020204" pitchFamily="34" charset="0"/>
-              <a:buChar char="•"/>
-            </a:pPr>
-            <a:r>
-              <a:rPr lang="en-US" b="1" dirty="0">
-                <a:solidFill>
-                  <a:schemeClr val="bg1"/>
-                </a:solidFill>
-              </a:rPr>
-              <a:t>AST% </a:t>
-            </a:r>
-          </a:p>
-          <a:p>
-            <a:pPr marL="342900" indent="-342900">
-              <a:buFont typeface="Arial" panose="020B0604020202020204" pitchFamily="34" charset="0"/>
-              <a:buChar char="•"/>
-            </a:pPr>
-            <a:r>
-              <a:rPr lang="en-US" b="1" dirty="0">
-                <a:solidFill>
-                  <a:schemeClr val="bg1"/>
-                </a:solidFill>
-              </a:rPr>
-              <a:t>STL% </a:t>
-            </a:r>
-          </a:p>
-          <a:p>
-            <a:pPr marL="342900" indent="-342900">
-              <a:buFont typeface="Arial" panose="020B0604020202020204" pitchFamily="34" charset="0"/>
-              <a:buChar char="•"/>
-            </a:pPr>
-            <a:r>
-              <a:rPr lang="en-US" b="1" dirty="0">
-                <a:solidFill>
-                  <a:schemeClr val="bg1"/>
-                </a:solidFill>
-              </a:rPr>
-              <a:t>BLK% </a:t>
-            </a:r>
-          </a:p>
-          <a:p>
-            <a:pPr marL="342900" indent="-342900">
-              <a:buFont typeface="Arial" panose="020B0604020202020204" pitchFamily="34" charset="0"/>
-              <a:buChar char="•"/>
-            </a:pPr>
-            <a:r>
-              <a:rPr lang="en-US" b="1" dirty="0">
-                <a:solidFill>
-                  <a:schemeClr val="bg1"/>
-                </a:solidFill>
-              </a:rPr>
-              <a:t>TOV% </a:t>
-            </a:r>
-          </a:p>
-          <a:p>
-            <a:pPr marL="342900" indent="-342900">
-              <a:buFont typeface="Arial" panose="020B0604020202020204" pitchFamily="34" charset="0"/>
-              <a:buChar char="•"/>
-            </a:pPr>
-            <a:r>
-              <a:rPr lang="en-US" b="1" dirty="0">
-                <a:solidFill>
-                  <a:schemeClr val="bg1"/>
-                </a:solidFill>
-              </a:rPr>
-              <a:t>USG% </a:t>
-            </a:r>
-          </a:p>
-          <a:p>
-            <a:pPr marL="342900" indent="-342900">
-              <a:buFont typeface="Arial" panose="020B0604020202020204" pitchFamily="34" charset="0"/>
-              <a:buChar char="•"/>
-            </a:pPr>
-            <a:r>
-              <a:rPr lang="en-US" b="1" dirty="0">
-                <a:solidFill>
-                  <a:schemeClr val="bg1"/>
-                </a:solidFill>
-              </a:rPr>
-              <a:t>OWS </a:t>
-            </a:r>
-          </a:p>
-          <a:p>
-            <a:pPr marL="342900" indent="-342900">
-              <a:buFont typeface="Arial" panose="020B0604020202020204" pitchFamily="34" charset="0"/>
-              <a:buChar char="•"/>
-            </a:pPr>
-            <a:r>
-              <a:rPr lang="en-US" b="1" dirty="0">
-                <a:solidFill>
-                  <a:schemeClr val="bg1"/>
-                </a:solidFill>
-              </a:rPr>
-              <a:t>DWS </a:t>
-            </a:r>
-          </a:p>
-          <a:p>
-            <a:pPr marL="342900" indent="-342900">
-              <a:buFont typeface="Arial" panose="020B0604020202020204" pitchFamily="34" charset="0"/>
-              <a:buChar char="•"/>
-            </a:pPr>
-            <a:r>
-              <a:rPr lang="en-US" b="1" dirty="0">
-                <a:solidFill>
-                  <a:schemeClr val="bg1"/>
-                </a:solidFill>
-              </a:rPr>
-              <a:t>WS </a:t>
-            </a:r>
-          </a:p>
-          <a:p>
-            <a:pPr marL="342900" indent="-342900">
-              <a:buFont typeface="Arial" panose="020B0604020202020204" pitchFamily="34" charset="0"/>
-              <a:buChar char="•"/>
-            </a:pPr>
-            <a:r>
-              <a:rPr lang="en-US" b="1" dirty="0">
-                <a:solidFill>
-                  <a:schemeClr val="bg1"/>
-                </a:solidFill>
-              </a:rPr>
-              <a:t>WS/48 </a:t>
-            </a:r>
-          </a:p>
-          <a:p>
-            <a:pPr marL="342900" indent="-342900">
-              <a:buFont typeface="Arial" panose="020B0604020202020204" pitchFamily="34" charset="0"/>
-              <a:buChar char="•"/>
-            </a:pPr>
-            <a:r>
-              <a:rPr lang="en-US" b="1" dirty="0">
-                <a:solidFill>
-                  <a:schemeClr val="bg1"/>
-                </a:solidFill>
-              </a:rPr>
-              <a:t>OBPM </a:t>
-            </a:r>
-          </a:p>
-          <a:p>
-            <a:pPr marL="342900" indent="-342900">
-              <a:buFont typeface="Arial" panose="020B0604020202020204" pitchFamily="34" charset="0"/>
-              <a:buChar char="•"/>
-            </a:pPr>
-            <a:r>
-              <a:rPr lang="en-US" b="1" dirty="0">
-                <a:solidFill>
-                  <a:schemeClr val="bg1"/>
-                </a:solidFill>
-              </a:rPr>
-              <a:t>DBPM </a:t>
-            </a:r>
-          </a:p>
-          <a:p>
-            <a:pPr marL="342900" indent="-342900">
-              <a:buFont typeface="Arial" panose="020B0604020202020204" pitchFamily="34" charset="0"/>
-              <a:buChar char="•"/>
-            </a:pPr>
-            <a:r>
-              <a:rPr lang="en-US" b="1" dirty="0">
-                <a:solidFill>
-                  <a:schemeClr val="bg1"/>
-                </a:solidFill>
-              </a:rPr>
-              <a:t>BPM </a:t>
-            </a:r>
-          </a:p>
-          <a:p>
-            <a:pPr marL="342900" indent="-342900">
-              <a:buFont typeface="Arial" panose="020B0604020202020204" pitchFamily="34" charset="0"/>
-              <a:buChar char="•"/>
-            </a:pPr>
-            <a:r>
-              <a:rPr lang="en-US" b="1" dirty="0">
-                <a:solidFill>
-                  <a:schemeClr val="bg1"/>
-                </a:solidFill>
-              </a:rPr>
-              <a:t>VORP </a:t>
-            </a:r>
-          </a:p>
-          <a:p>
-            <a:pPr marL="342900" indent="-342900">
-              <a:buFont typeface="Arial" panose="020B0604020202020204" pitchFamily="34" charset="0"/>
-              <a:buChar char="•"/>
-            </a:pPr>
-            <a:r>
-              <a:rPr lang="en-US" b="1" dirty="0">
-                <a:solidFill>
-                  <a:schemeClr val="bg1"/>
-                </a:solidFill>
-              </a:rPr>
-              <a:t>FG </a:t>
-            </a:r>
-          </a:p>
-          <a:p>
-            <a:pPr marL="342900" indent="-342900">
-              <a:buFont typeface="Arial" panose="020B0604020202020204" pitchFamily="34" charset="0"/>
-              <a:buChar char="•"/>
-            </a:pPr>
-            <a:r>
-              <a:rPr lang="en-US" b="1" dirty="0">
-                <a:solidFill>
-                  <a:schemeClr val="bg1"/>
-                </a:solidFill>
-              </a:rPr>
-              <a:t>FGA </a:t>
-            </a:r>
-          </a:p>
-          <a:p>
-            <a:pPr marL="342900" indent="-342900">
-              <a:buFont typeface="Arial" panose="020B0604020202020204" pitchFamily="34" charset="0"/>
-              <a:buChar char="•"/>
-            </a:pPr>
-            <a:r>
-              <a:rPr lang="en-US" b="1" dirty="0">
-                <a:solidFill>
-                  <a:schemeClr val="bg1"/>
-                </a:solidFill>
-              </a:rPr>
-              <a:t>FG% </a:t>
-            </a:r>
-          </a:p>
-          <a:p>
-            <a:pPr marL="342900" indent="-342900">
-              <a:buFont typeface="Arial" panose="020B0604020202020204" pitchFamily="34" charset="0"/>
-              <a:buChar char="•"/>
-            </a:pPr>
-            <a:r>
-              <a:rPr lang="en-US" b="1" dirty="0">
-                <a:solidFill>
-                  <a:schemeClr val="bg1"/>
-                </a:solidFill>
-              </a:rPr>
-              <a:t>3P </a:t>
-            </a:r>
-          </a:p>
-          <a:p>
-            <a:pPr marL="342900" indent="-342900">
-              <a:buFont typeface="Arial" panose="020B0604020202020204" pitchFamily="34" charset="0"/>
-              <a:buChar char="•"/>
-            </a:pPr>
-            <a:r>
-              <a:rPr lang="en-US" b="1" dirty="0">
-                <a:solidFill>
-                  <a:schemeClr val="bg1"/>
-                </a:solidFill>
-              </a:rPr>
-              <a:t>3PA </a:t>
-            </a:r>
-          </a:p>
-          <a:p>
-            <a:pPr marL="342900" indent="-342900">
-              <a:buFont typeface="Arial" panose="020B0604020202020204" pitchFamily="34" charset="0"/>
-              <a:buChar char="•"/>
-            </a:pPr>
-            <a:r>
-              <a:rPr lang="en-US" b="1" dirty="0">
-                <a:solidFill>
-                  <a:schemeClr val="bg1"/>
-                </a:solidFill>
-              </a:rPr>
-              <a:t>3P% </a:t>
-            </a:r>
-          </a:p>
-          <a:p>
-            <a:pPr marL="342900" indent="-342900">
-              <a:buFont typeface="Arial" panose="020B0604020202020204" pitchFamily="34" charset="0"/>
-              <a:buChar char="•"/>
-            </a:pPr>
-            <a:r>
-              <a:rPr lang="en-US" b="1" dirty="0">
-                <a:solidFill>
-                  <a:schemeClr val="bg1"/>
-                </a:solidFill>
-              </a:rPr>
-              <a:t>2P </a:t>
-            </a:r>
-          </a:p>
-          <a:p>
-            <a:pPr marL="342900" indent="-342900">
-              <a:buFont typeface="Arial" panose="020B0604020202020204" pitchFamily="34" charset="0"/>
-              <a:buChar char="•"/>
-            </a:pPr>
-            <a:r>
-              <a:rPr lang="en-US" b="1" dirty="0">
-                <a:solidFill>
-                  <a:schemeClr val="bg1"/>
-                </a:solidFill>
-              </a:rPr>
-              <a:t>2PA </a:t>
-            </a:r>
-          </a:p>
-          <a:p>
-            <a:pPr marL="342900" indent="-342900">
-              <a:buFont typeface="Arial" panose="020B0604020202020204" pitchFamily="34" charset="0"/>
-              <a:buChar char="•"/>
-            </a:pPr>
-            <a:r>
-              <a:rPr lang="en-US" b="1" dirty="0">
-                <a:solidFill>
-                  <a:schemeClr val="bg1"/>
-                </a:solidFill>
-              </a:rPr>
-              <a:t>2P% </a:t>
-            </a:r>
-          </a:p>
-          <a:p>
-            <a:pPr marL="342900" indent="-342900">
-              <a:buFont typeface="Arial" panose="020B0604020202020204" pitchFamily="34" charset="0"/>
-              <a:buChar char="•"/>
-            </a:pPr>
-            <a:r>
-              <a:rPr lang="en-US" b="1" dirty="0" err="1">
-                <a:solidFill>
-                  <a:schemeClr val="bg1"/>
-                </a:solidFill>
-              </a:rPr>
-              <a:t>eFG</a:t>
-            </a:r>
-            <a:r>
-              <a:rPr lang="en-US" b="1" dirty="0">
-                <a:solidFill>
-                  <a:schemeClr val="bg1"/>
-                </a:solidFill>
-              </a:rPr>
-              <a:t>% </a:t>
-            </a:r>
-          </a:p>
-          <a:p>
-            <a:pPr marL="342900" indent="-342900">
-              <a:buFont typeface="Arial" panose="020B0604020202020204" pitchFamily="34" charset="0"/>
-              <a:buChar char="•"/>
-            </a:pPr>
-            <a:r>
-              <a:rPr lang="en-US" b="1" dirty="0">
-                <a:solidFill>
-                  <a:schemeClr val="bg1"/>
-                </a:solidFill>
-              </a:rPr>
-              <a:t>FT </a:t>
-            </a:r>
-          </a:p>
-          <a:p>
-            <a:pPr marL="342900" indent="-342900">
-              <a:buFont typeface="Arial" panose="020B0604020202020204" pitchFamily="34" charset="0"/>
-              <a:buChar char="•"/>
-            </a:pPr>
-            <a:r>
-              <a:rPr lang="en-US" b="1" dirty="0">
-                <a:solidFill>
-                  <a:schemeClr val="bg1"/>
-                </a:solidFill>
-              </a:rPr>
-              <a:t>FTA </a:t>
-            </a:r>
-          </a:p>
-          <a:p>
-            <a:pPr marL="342900" indent="-342900">
-              <a:buFont typeface="Arial" panose="020B0604020202020204" pitchFamily="34" charset="0"/>
-              <a:buChar char="•"/>
-            </a:pPr>
-            <a:r>
-              <a:rPr lang="en-US" b="1" dirty="0">
-                <a:solidFill>
-                  <a:schemeClr val="bg1"/>
-                </a:solidFill>
-              </a:rPr>
-              <a:t>FT% </a:t>
-            </a:r>
-          </a:p>
-          <a:p>
-            <a:pPr marL="342900" indent="-342900">
-              <a:buFont typeface="Arial" panose="020B0604020202020204" pitchFamily="34" charset="0"/>
-              <a:buChar char="•"/>
-            </a:pPr>
-            <a:r>
-              <a:rPr lang="en-US" b="1" dirty="0">
-                <a:solidFill>
-                  <a:schemeClr val="bg1"/>
-                </a:solidFill>
-              </a:rPr>
-              <a:t>ORB</a:t>
-            </a:r>
-          </a:p>
-          <a:p>
-            <a:pPr marL="342900" indent="-342900">
-              <a:buFont typeface="Arial" panose="020B0604020202020204" pitchFamily="34" charset="0"/>
-              <a:buChar char="•"/>
-            </a:pPr>
-            <a:r>
-              <a:rPr lang="en-US" b="1" dirty="0">
-                <a:solidFill>
-                  <a:schemeClr val="bg1"/>
-                </a:solidFill>
-              </a:rPr>
-              <a:t>DRB </a:t>
-            </a:r>
-          </a:p>
-          <a:p>
-            <a:pPr marL="342900" indent="-342900">
-              <a:buFont typeface="Arial" panose="020B0604020202020204" pitchFamily="34" charset="0"/>
-              <a:buChar char="•"/>
-            </a:pPr>
-            <a:r>
-              <a:rPr lang="en-US" b="1" dirty="0">
-                <a:solidFill>
-                  <a:schemeClr val="bg1"/>
-                </a:solidFill>
-              </a:rPr>
-              <a:t>TRB </a:t>
-            </a:r>
-          </a:p>
-          <a:p>
-            <a:pPr marL="342900" indent="-342900">
-              <a:buFont typeface="Arial" panose="020B0604020202020204" pitchFamily="34" charset="0"/>
-              <a:buChar char="•"/>
-            </a:pPr>
-            <a:r>
-              <a:rPr lang="en-US" b="1" dirty="0">
-                <a:solidFill>
-                  <a:schemeClr val="bg1"/>
-                </a:solidFill>
-              </a:rPr>
-              <a:t>AST </a:t>
-            </a:r>
-          </a:p>
-          <a:p>
-            <a:pPr marL="342900" indent="-342900">
-              <a:buFont typeface="Arial" panose="020B0604020202020204" pitchFamily="34" charset="0"/>
-              <a:buChar char="•"/>
-            </a:pPr>
-            <a:r>
-              <a:rPr lang="en-US" b="1" dirty="0">
-                <a:solidFill>
-                  <a:schemeClr val="bg1"/>
-                </a:solidFill>
-              </a:rPr>
-              <a:t>STL </a:t>
-            </a:r>
-          </a:p>
-          <a:p>
-            <a:pPr marL="342900" indent="-342900">
-              <a:buFont typeface="Arial" panose="020B0604020202020204" pitchFamily="34" charset="0"/>
-              <a:buChar char="•"/>
-            </a:pPr>
-            <a:r>
-              <a:rPr lang="en-US" b="1" dirty="0">
-                <a:solidFill>
-                  <a:schemeClr val="bg1"/>
-                </a:solidFill>
-              </a:rPr>
-              <a:t>BLK </a:t>
-            </a:r>
-          </a:p>
-          <a:p>
-            <a:pPr marL="342900" indent="-342900">
-              <a:buFont typeface="Arial" panose="020B0604020202020204" pitchFamily="34" charset="0"/>
-              <a:buChar char="•"/>
-            </a:pPr>
-            <a:r>
-              <a:rPr lang="en-US" b="1" dirty="0">
-                <a:solidFill>
-                  <a:schemeClr val="bg1"/>
-                </a:solidFill>
-              </a:rPr>
-              <a:t>TOV </a:t>
-            </a:r>
-          </a:p>
-          <a:p>
-            <a:pPr marL="342900" indent="-342900">
-              <a:buFont typeface="Arial" panose="020B0604020202020204" pitchFamily="34" charset="0"/>
-              <a:buChar char="•"/>
-            </a:pPr>
-            <a:r>
-              <a:rPr lang="en-US" b="1" dirty="0">
-                <a:solidFill>
-                  <a:schemeClr val="bg1"/>
-                </a:solidFill>
-              </a:rPr>
-              <a:t>PF </a:t>
-            </a:r>
-          </a:p>
-          <a:p>
-            <a:pPr marL="342900" indent="-342900">
-              <a:buFont typeface="Arial" panose="020B0604020202020204" pitchFamily="34" charset="0"/>
-              <a:buChar char="•"/>
-            </a:pPr>
-            <a:r>
-              <a:rPr lang="en-US" b="1" dirty="0">
-                <a:solidFill>
-                  <a:schemeClr val="bg1"/>
-                </a:solidFill>
-              </a:rPr>
-              <a:t>PTS </a:t>
-            </a:r>
-          </a:p>
-          <a:p>
-            <a:pPr marL="342900" indent="-342900">
-              <a:buFont typeface="Arial" panose="020B0604020202020204" pitchFamily="34" charset="0"/>
-              <a:buChar char="•"/>
-            </a:pPr>
-            <a:r>
-              <a:rPr lang="en-US" b="1" dirty="0">
-                <a:solidFill>
-                  <a:schemeClr val="bg1"/>
-                </a:solidFill>
-              </a:rPr>
-              <a:t>Year start </a:t>
-            </a:r>
-          </a:p>
-          <a:p>
-            <a:pPr marL="342900" indent="-342900">
-              <a:buFont typeface="Arial" panose="020B0604020202020204" pitchFamily="34" charset="0"/>
-              <a:buChar char="•"/>
-            </a:pPr>
-            <a:r>
-              <a:rPr lang="en-US" b="1" dirty="0">
-                <a:solidFill>
-                  <a:schemeClr val="bg1"/>
-                </a:solidFill>
-              </a:rPr>
-              <a:t>Year end </a:t>
-            </a:r>
-          </a:p>
-          <a:p>
-            <a:pPr marL="342900" indent="-342900">
-              <a:buFont typeface="Arial" panose="020B0604020202020204" pitchFamily="34" charset="0"/>
-              <a:buChar char="•"/>
-            </a:pPr>
-            <a:r>
-              <a:rPr lang="en-US" b="1" dirty="0">
-                <a:solidFill>
-                  <a:schemeClr val="bg1"/>
-                </a:solidFill>
-              </a:rPr>
-              <a:t>height </a:t>
-            </a:r>
-          </a:p>
-          <a:p>
-            <a:pPr marL="342900" indent="-342900">
-              <a:buFont typeface="Arial" panose="020B0604020202020204" pitchFamily="34" charset="0"/>
-              <a:buChar char="•"/>
-            </a:pPr>
-            <a:r>
-              <a:rPr lang="en-US" b="1" dirty="0">
-                <a:solidFill>
-                  <a:schemeClr val="bg1"/>
-                </a:solidFill>
-              </a:rPr>
-              <a:t>weight </a:t>
-            </a:r>
-          </a:p>
-          <a:p>
-            <a:pPr marL="342900" indent="-342900">
-              <a:buFont typeface="Arial" panose="020B0604020202020204" pitchFamily="34" charset="0"/>
-              <a:buChar char="•"/>
-            </a:pPr>
-            <a:r>
-              <a:rPr lang="en-US" b="1" dirty="0">
-                <a:solidFill>
-                  <a:schemeClr val="bg1"/>
-                </a:solidFill>
-              </a:rPr>
-              <a:t>Birth date </a:t>
-            </a:r>
-          </a:p>
-          <a:p>
-            <a:pPr marL="342900" indent="-342900">
-              <a:buFont typeface="Arial" panose="020B0604020202020204" pitchFamily="34" charset="0"/>
-              <a:buChar char="•"/>
-            </a:pPr>
-            <a:r>
-              <a:rPr lang="en-US" b="1" dirty="0">
-                <a:solidFill>
-                  <a:schemeClr val="bg1"/>
-                </a:solidFill>
-              </a:rPr>
-              <a:t>college </a:t>
-            </a:r>
-          </a:p>
-          <a:p>
-            <a:pPr marL="342900" indent="-342900">
-              <a:buFont typeface="Arial" panose="020B0604020202020204" pitchFamily="34" charset="0"/>
-              <a:buChar char="•"/>
-            </a:pPr>
-            <a:r>
-              <a:rPr lang="en-US" b="1" dirty="0">
-                <a:solidFill>
-                  <a:schemeClr val="bg1"/>
-                </a:solidFill>
-              </a:rPr>
-              <a:t>City </a:t>
-            </a:r>
-          </a:p>
-          <a:p>
-            <a:pPr marL="342900" indent="-342900">
-              <a:buFont typeface="Arial" panose="020B0604020202020204" pitchFamily="34" charset="0"/>
-              <a:buChar char="•"/>
-            </a:pPr>
-            <a:r>
-              <a:rPr lang="en-US" b="1" dirty="0">
-                <a:solidFill>
-                  <a:schemeClr val="bg1"/>
-                </a:solidFill>
-              </a:rPr>
-              <a:t>State/country </a:t>
+              <a:t>Triangulate/Return responses</a:t>
             </a:r>
           </a:p>
         </p:txBody>
@@ -6904,7 +6301,7 @@
     </p:spTree>
     <p:extLst>
       <p:ext uri="{BB962C8B-B14F-4D97-AF65-F5344CB8AC3E}">
-        <p14:creationId xmlns:p14="http://schemas.microsoft.com/office/powerpoint/2010/main" val="1621783890"/>
+        <p14:creationId xmlns:p14="http://schemas.microsoft.com/office/powerpoint/2010/main" val="883023003"/>
       </p:ext>
     </p:extLst>
   </p:cSld>
@@ -6936,7 +6333,7 @@
           <p:cNvPr id="2" name="Title 1">
             <a:extLst>
               <a:ext uri="{FF2B5EF4-FFF2-40B4-BE49-F238E27FC236}">
-                <a16:creationId xmlns:a16="http://schemas.microsoft.com/office/drawing/2014/main" id="{2C3CD741-B47B-4F16-BA32-CAC0C0B89D51}"/>
+                <a16:creationId xmlns:a16="http://schemas.microsoft.com/office/drawing/2014/main" id="{0C3258B6-C23D-485F-81A6-3085930A6C79}"/>
               </a:ext>
             </a:extLst>
           </p:cNvPr>
@@ -6950,17 +6347,842 @@
         <p:spPr>
           <a:xfrm>
             <a:off x="684213" y="685800"/>
-            <a:ext cx="10058400" cy="3784600"/>
+            <a:ext cx="10058400" cy="787400"/>
           </a:xfrm>
         </p:spPr>
         <p:txBody>
           <a:bodyPr/>
           <a:lstStyle/>
           <a:p>
-            <a:pPr algn="ctr"/>
             <a:r>
               <a:rPr lang="en-US" dirty="0"/>
-              <a:t>Volunteers?</a:t>
+              <a:t>Statistics we have</a:t>
+            </a:r>
+          </a:p>
+        </p:txBody>
+      </p:sp>
+      <p:sp>
+        <p:nvSpPr>
+          <p:cNvPr id="3" name="Text Placeholder 2">
+            <a:extLst>
+              <a:ext uri="{FF2B5EF4-FFF2-40B4-BE49-F238E27FC236}">
+                <a16:creationId xmlns:a16="http://schemas.microsoft.com/office/drawing/2014/main" id="{67CDFAF9-5CA8-46C9-88BC-EEE78BE0E6ED}"/>
+              </a:ext>
+            </a:extLst>
+          </p:cNvPr>
+          <p:cNvSpPr>
+            <a:spLocks noGrp="1"/>
+          </p:cNvSpPr>
+          <p:nvPr>
+            <p:ph type="body" idx="1"/>
+          </p:nvPr>
+        </p:nvSpPr>
+        <p:spPr>
+          <a:xfrm>
+            <a:off x="684211" y="1473199"/>
+            <a:ext cx="10767559" cy="5159829"/>
+          </a:xfrm>
+        </p:spPr>
+        <p:txBody>
+          <a:bodyPr numCol="5">
+            <a:normAutofit lnSpcReduction="10000"/>
+          </a:bodyPr>
+          <a:lstStyle/>
+          <a:p>
+            <a:pPr marL="342900" indent="-342900">
+              <a:buFont typeface="Arial" panose="020B0604020202020204" pitchFamily="34" charset="0"/>
+              <a:buChar char="•"/>
+            </a:pPr>
+            <a:r>
+              <a:rPr lang="en-US" b="1" dirty="0">
+                <a:solidFill>
+                  <a:schemeClr val="bg1"/>
+                </a:solidFill>
+              </a:rPr>
+              <a:t>Position </a:t>
+            </a:r>
+          </a:p>
+          <a:p>
+            <a:pPr marL="342900" indent="-342900">
+              <a:buFont typeface="Arial" panose="020B0604020202020204" pitchFamily="34" charset="0"/>
+              <a:buChar char="•"/>
+            </a:pPr>
+            <a:r>
+              <a:rPr lang="en-US" b="1" dirty="0">
+                <a:solidFill>
+                  <a:schemeClr val="bg1"/>
+                </a:solidFill>
+              </a:rPr>
+              <a:t>Age </a:t>
+            </a:r>
+          </a:p>
+          <a:p>
+            <a:pPr marL="342900" indent="-342900">
+              <a:buFont typeface="Arial" panose="020B0604020202020204" pitchFamily="34" charset="0"/>
+              <a:buChar char="•"/>
+            </a:pPr>
+            <a:r>
+              <a:rPr lang="en-US" b="1" dirty="0">
+                <a:solidFill>
+                  <a:schemeClr val="bg1"/>
+                </a:solidFill>
+              </a:rPr>
+              <a:t>Team </a:t>
+            </a:r>
+          </a:p>
+          <a:p>
+            <a:pPr marL="342900" indent="-342900">
+              <a:buFont typeface="Arial" panose="020B0604020202020204" pitchFamily="34" charset="0"/>
+              <a:buChar char="•"/>
+            </a:pPr>
+            <a:r>
+              <a:rPr lang="en-US" b="1" dirty="0">
+                <a:solidFill>
+                  <a:schemeClr val="bg1"/>
+                </a:solidFill>
+              </a:rPr>
+              <a:t>G </a:t>
+            </a:r>
+          </a:p>
+          <a:p>
+            <a:pPr marL="342900" indent="-342900">
+              <a:buFont typeface="Arial" panose="020B0604020202020204" pitchFamily="34" charset="0"/>
+              <a:buChar char="•"/>
+            </a:pPr>
+            <a:r>
+              <a:rPr lang="en-US" b="1" dirty="0">
+                <a:solidFill>
+                  <a:schemeClr val="bg1"/>
+                </a:solidFill>
+              </a:rPr>
+              <a:t>GS </a:t>
+            </a:r>
+          </a:p>
+          <a:p>
+            <a:pPr marL="342900" indent="-342900">
+              <a:buFont typeface="Arial" panose="020B0604020202020204" pitchFamily="34" charset="0"/>
+              <a:buChar char="•"/>
+            </a:pPr>
+            <a:r>
+              <a:rPr lang="en-US" b="1" dirty="0">
+                <a:solidFill>
+                  <a:schemeClr val="bg1"/>
+                </a:solidFill>
+              </a:rPr>
+              <a:t>MP </a:t>
+            </a:r>
+          </a:p>
+          <a:p>
+            <a:pPr marL="342900" indent="-342900">
+              <a:buFont typeface="Arial" panose="020B0604020202020204" pitchFamily="34" charset="0"/>
+              <a:buChar char="•"/>
+            </a:pPr>
+            <a:r>
+              <a:rPr lang="en-US" b="1" dirty="0">
+                <a:solidFill>
+                  <a:schemeClr val="bg1"/>
+                </a:solidFill>
+              </a:rPr>
+              <a:t>PER </a:t>
+            </a:r>
+          </a:p>
+          <a:p>
+            <a:pPr marL="342900" indent="-342900">
+              <a:buFont typeface="Arial" panose="020B0604020202020204" pitchFamily="34" charset="0"/>
+              <a:buChar char="•"/>
+            </a:pPr>
+            <a:r>
+              <a:rPr lang="en-US" b="1" dirty="0">
+                <a:solidFill>
+                  <a:schemeClr val="bg1"/>
+                </a:solidFill>
+              </a:rPr>
+              <a:t>TS% </a:t>
+            </a:r>
+          </a:p>
+          <a:p>
+            <a:pPr marL="342900" indent="-342900">
+              <a:buFont typeface="Arial" panose="020B0604020202020204" pitchFamily="34" charset="0"/>
+              <a:buChar char="•"/>
+            </a:pPr>
+            <a:r>
+              <a:rPr lang="en-US" b="1" dirty="0">
+                <a:solidFill>
+                  <a:schemeClr val="bg1"/>
+                </a:solidFill>
+              </a:rPr>
+              <a:t>3PAr </a:t>
+            </a:r>
+          </a:p>
+          <a:p>
+            <a:pPr marL="342900" indent="-342900">
+              <a:buFont typeface="Arial" panose="020B0604020202020204" pitchFamily="34" charset="0"/>
+              <a:buChar char="•"/>
+            </a:pPr>
+            <a:r>
+              <a:rPr lang="en-US" b="1" dirty="0" err="1">
+                <a:solidFill>
+                  <a:schemeClr val="bg1"/>
+                </a:solidFill>
+              </a:rPr>
+              <a:t>FTr</a:t>
+            </a:r>
+            <a:endParaRPr lang="en-US" b="1" dirty="0">
+              <a:solidFill>
+                <a:schemeClr val="bg1"/>
+              </a:solidFill>
+            </a:endParaRPr>
+          </a:p>
+          <a:p>
+            <a:pPr marL="342900" indent="-342900">
+              <a:buFont typeface="Arial" panose="020B0604020202020204" pitchFamily="34" charset="0"/>
+              <a:buChar char="•"/>
+            </a:pPr>
+            <a:r>
+              <a:rPr lang="en-US" b="1" dirty="0">
+                <a:solidFill>
+                  <a:schemeClr val="bg1"/>
+                </a:solidFill>
+              </a:rPr>
+              <a:t>ORB% </a:t>
+            </a:r>
+          </a:p>
+          <a:p>
+            <a:pPr marL="342900" indent="-342900">
+              <a:buFont typeface="Arial" panose="020B0604020202020204" pitchFamily="34" charset="0"/>
+              <a:buChar char="•"/>
+            </a:pPr>
+            <a:r>
+              <a:rPr lang="en-US" b="1" dirty="0">
+                <a:solidFill>
+                  <a:schemeClr val="bg1"/>
+                </a:solidFill>
+              </a:rPr>
+              <a:t>DRB% </a:t>
+            </a:r>
+          </a:p>
+          <a:p>
+            <a:pPr marL="342900" indent="-342900">
+              <a:buFont typeface="Arial" panose="020B0604020202020204" pitchFamily="34" charset="0"/>
+              <a:buChar char="•"/>
+            </a:pPr>
+            <a:r>
+              <a:rPr lang="en-US" b="1" dirty="0">
+                <a:solidFill>
+                  <a:schemeClr val="bg1"/>
+                </a:solidFill>
+              </a:rPr>
+              <a:t>TRB% </a:t>
+            </a:r>
+          </a:p>
+          <a:p>
+            <a:pPr marL="342900" indent="-342900">
+              <a:buFont typeface="Arial" panose="020B0604020202020204" pitchFamily="34" charset="0"/>
+              <a:buChar char="•"/>
+            </a:pPr>
+            <a:r>
+              <a:rPr lang="en-US" b="1" dirty="0">
+                <a:solidFill>
+                  <a:schemeClr val="bg1"/>
+                </a:solidFill>
+              </a:rPr>
+              <a:t>AST% </a:t>
+            </a:r>
+          </a:p>
+          <a:p>
+            <a:pPr marL="342900" indent="-342900">
+              <a:buFont typeface="Arial" panose="020B0604020202020204" pitchFamily="34" charset="0"/>
+              <a:buChar char="•"/>
+            </a:pPr>
+            <a:r>
+              <a:rPr lang="en-US" b="1" dirty="0">
+                <a:solidFill>
+                  <a:schemeClr val="bg1"/>
+                </a:solidFill>
+              </a:rPr>
+              <a:t>STL% </a:t>
+            </a:r>
+          </a:p>
+          <a:p>
+            <a:pPr marL="342900" indent="-342900">
+              <a:buFont typeface="Arial" panose="020B0604020202020204" pitchFamily="34" charset="0"/>
+              <a:buChar char="•"/>
+            </a:pPr>
+            <a:r>
+              <a:rPr lang="en-US" b="1" dirty="0">
+                <a:solidFill>
+                  <a:schemeClr val="bg1"/>
+                </a:solidFill>
+              </a:rPr>
+              <a:t>BLK% </a:t>
+            </a:r>
+          </a:p>
+          <a:p>
+            <a:pPr marL="342900" indent="-342900">
+              <a:buFont typeface="Arial" panose="020B0604020202020204" pitchFamily="34" charset="0"/>
+              <a:buChar char="•"/>
+            </a:pPr>
+            <a:r>
+              <a:rPr lang="en-US" b="1" dirty="0">
+                <a:solidFill>
+                  <a:schemeClr val="bg1"/>
+                </a:solidFill>
+              </a:rPr>
+              <a:t>TOV% </a:t>
+            </a:r>
+          </a:p>
+          <a:p>
+            <a:pPr marL="342900" indent="-342900">
+              <a:buFont typeface="Arial" panose="020B0604020202020204" pitchFamily="34" charset="0"/>
+              <a:buChar char="•"/>
+            </a:pPr>
+            <a:r>
+              <a:rPr lang="en-US" b="1" dirty="0">
+                <a:solidFill>
+                  <a:schemeClr val="bg1"/>
+                </a:solidFill>
+              </a:rPr>
+              <a:t>USG% </a:t>
+            </a:r>
+          </a:p>
+          <a:p>
+            <a:pPr marL="342900" indent="-342900">
+              <a:buFont typeface="Arial" panose="020B0604020202020204" pitchFamily="34" charset="0"/>
+              <a:buChar char="•"/>
+            </a:pPr>
+            <a:r>
+              <a:rPr lang="en-US" b="1" dirty="0">
+                <a:solidFill>
+                  <a:schemeClr val="bg1"/>
+                </a:solidFill>
+              </a:rPr>
+              <a:t>OWS </a:t>
+            </a:r>
+          </a:p>
+          <a:p>
+            <a:pPr marL="342900" indent="-342900">
+              <a:buFont typeface="Arial" panose="020B0604020202020204" pitchFamily="34" charset="0"/>
+              <a:buChar char="•"/>
+            </a:pPr>
+            <a:r>
+              <a:rPr lang="en-US" b="1" dirty="0">
+                <a:solidFill>
+                  <a:schemeClr val="bg1"/>
+                </a:solidFill>
+              </a:rPr>
+              <a:t>DWS </a:t>
+            </a:r>
+          </a:p>
+          <a:p>
+            <a:pPr marL="342900" indent="-342900">
+              <a:buFont typeface="Arial" panose="020B0604020202020204" pitchFamily="34" charset="0"/>
+              <a:buChar char="•"/>
+            </a:pPr>
+            <a:r>
+              <a:rPr lang="en-US" b="1" dirty="0">
+                <a:solidFill>
+                  <a:schemeClr val="bg1"/>
+                </a:solidFill>
+              </a:rPr>
+              <a:t>WS </a:t>
+            </a:r>
+          </a:p>
+          <a:p>
+            <a:pPr marL="342900" indent="-342900">
+              <a:buFont typeface="Arial" panose="020B0604020202020204" pitchFamily="34" charset="0"/>
+              <a:buChar char="•"/>
+            </a:pPr>
+            <a:r>
+              <a:rPr lang="en-US" b="1" dirty="0">
+                <a:solidFill>
+                  <a:schemeClr val="bg1"/>
+                </a:solidFill>
+              </a:rPr>
+              <a:t>WS/48 </a:t>
+            </a:r>
+          </a:p>
+          <a:p>
+            <a:pPr marL="342900" indent="-342900">
+              <a:buFont typeface="Arial" panose="020B0604020202020204" pitchFamily="34" charset="0"/>
+              <a:buChar char="•"/>
+            </a:pPr>
+            <a:r>
+              <a:rPr lang="en-US" b="1" dirty="0">
+                <a:solidFill>
+                  <a:schemeClr val="bg1"/>
+                </a:solidFill>
+              </a:rPr>
+              <a:t>OBPM </a:t>
+            </a:r>
+          </a:p>
+          <a:p>
+            <a:pPr marL="342900" indent="-342900">
+              <a:buFont typeface="Arial" panose="020B0604020202020204" pitchFamily="34" charset="0"/>
+              <a:buChar char="•"/>
+            </a:pPr>
+            <a:r>
+              <a:rPr lang="en-US" b="1" dirty="0">
+                <a:solidFill>
+                  <a:schemeClr val="bg1"/>
+                </a:solidFill>
+              </a:rPr>
+              <a:t>DBPM </a:t>
+            </a:r>
+          </a:p>
+          <a:p>
+            <a:pPr marL="342900" indent="-342900">
+              <a:buFont typeface="Arial" panose="020B0604020202020204" pitchFamily="34" charset="0"/>
+              <a:buChar char="•"/>
+            </a:pPr>
+            <a:r>
+              <a:rPr lang="en-US" b="1" dirty="0">
+                <a:solidFill>
+                  <a:schemeClr val="bg1"/>
+                </a:solidFill>
+              </a:rPr>
+              <a:t>BPM </a:t>
+            </a:r>
+          </a:p>
+          <a:p>
+            <a:pPr marL="342900" indent="-342900">
+              <a:buFont typeface="Arial" panose="020B0604020202020204" pitchFamily="34" charset="0"/>
+              <a:buChar char="•"/>
+            </a:pPr>
+            <a:r>
+              <a:rPr lang="en-US" b="1" dirty="0">
+                <a:solidFill>
+                  <a:schemeClr val="bg1"/>
+                </a:solidFill>
+              </a:rPr>
+              <a:t>VORP </a:t>
+            </a:r>
+          </a:p>
+          <a:p>
+            <a:pPr marL="342900" indent="-342900">
+              <a:buFont typeface="Arial" panose="020B0604020202020204" pitchFamily="34" charset="0"/>
+              <a:buChar char="•"/>
+            </a:pPr>
+            <a:r>
+              <a:rPr lang="en-US" b="1" dirty="0">
+                <a:solidFill>
+                  <a:schemeClr val="bg1"/>
+                </a:solidFill>
+              </a:rPr>
+              <a:t>FG </a:t>
+            </a:r>
+          </a:p>
+          <a:p>
+            <a:pPr marL="342900" indent="-342900">
+              <a:buFont typeface="Arial" panose="020B0604020202020204" pitchFamily="34" charset="0"/>
+              <a:buChar char="•"/>
+            </a:pPr>
+            <a:r>
+              <a:rPr lang="en-US" b="1" dirty="0">
+                <a:solidFill>
+                  <a:schemeClr val="bg1"/>
+                </a:solidFill>
+              </a:rPr>
+              <a:t>FGA </a:t>
+            </a:r>
+          </a:p>
+          <a:p>
+            <a:pPr marL="342900" indent="-342900">
+              <a:buFont typeface="Arial" panose="020B0604020202020204" pitchFamily="34" charset="0"/>
+              <a:buChar char="•"/>
+            </a:pPr>
+            <a:r>
+              <a:rPr lang="en-US" b="1" dirty="0">
+                <a:solidFill>
+                  <a:schemeClr val="bg1"/>
+                </a:solidFill>
+              </a:rPr>
+              <a:t>FG% </a:t>
+            </a:r>
+          </a:p>
+          <a:p>
+            <a:pPr marL="342900" indent="-342900">
+              <a:buFont typeface="Arial" panose="020B0604020202020204" pitchFamily="34" charset="0"/>
+              <a:buChar char="•"/>
+            </a:pPr>
+            <a:r>
+              <a:rPr lang="en-US" b="1" dirty="0">
+                <a:solidFill>
+                  <a:schemeClr val="bg1"/>
+                </a:solidFill>
+              </a:rPr>
+              <a:t>3P </a:t>
+            </a:r>
+          </a:p>
+          <a:p>
+            <a:pPr marL="342900" indent="-342900">
+              <a:buFont typeface="Arial" panose="020B0604020202020204" pitchFamily="34" charset="0"/>
+              <a:buChar char="•"/>
+            </a:pPr>
+            <a:r>
+              <a:rPr lang="en-US" b="1" dirty="0">
+                <a:solidFill>
+                  <a:schemeClr val="bg1"/>
+                </a:solidFill>
+              </a:rPr>
+              <a:t>3PA </a:t>
+            </a:r>
+          </a:p>
+          <a:p>
+            <a:pPr marL="342900" indent="-342900">
+              <a:buFont typeface="Arial" panose="020B0604020202020204" pitchFamily="34" charset="0"/>
+              <a:buChar char="•"/>
+            </a:pPr>
+            <a:r>
+              <a:rPr lang="en-US" b="1" dirty="0">
+                <a:solidFill>
+                  <a:schemeClr val="bg1"/>
+                </a:solidFill>
+              </a:rPr>
+              <a:t>3P% </a:t>
+            </a:r>
+          </a:p>
+          <a:p>
+            <a:pPr marL="342900" indent="-342900">
+              <a:buFont typeface="Arial" panose="020B0604020202020204" pitchFamily="34" charset="0"/>
+              <a:buChar char="•"/>
+            </a:pPr>
+            <a:r>
+              <a:rPr lang="en-US" b="1" dirty="0">
+                <a:solidFill>
+                  <a:schemeClr val="bg1"/>
+                </a:solidFill>
+              </a:rPr>
+              <a:t>2P </a:t>
+            </a:r>
+          </a:p>
+          <a:p>
+            <a:pPr marL="342900" indent="-342900">
+              <a:buFont typeface="Arial" panose="020B0604020202020204" pitchFamily="34" charset="0"/>
+              <a:buChar char="•"/>
+            </a:pPr>
+            <a:r>
+              <a:rPr lang="en-US" b="1" dirty="0">
+                <a:solidFill>
+                  <a:schemeClr val="bg1"/>
+                </a:solidFill>
+              </a:rPr>
+              <a:t>2PA </a:t>
+            </a:r>
+          </a:p>
+          <a:p>
+            <a:pPr marL="342900" indent="-342900">
+              <a:buFont typeface="Arial" panose="020B0604020202020204" pitchFamily="34" charset="0"/>
+              <a:buChar char="•"/>
+            </a:pPr>
+            <a:r>
+              <a:rPr lang="en-US" b="1" dirty="0">
+                <a:solidFill>
+                  <a:schemeClr val="bg1"/>
+                </a:solidFill>
+              </a:rPr>
+              <a:t>2P% </a:t>
+            </a:r>
+          </a:p>
+          <a:p>
+            <a:pPr marL="342900" indent="-342900">
+              <a:buFont typeface="Arial" panose="020B0604020202020204" pitchFamily="34" charset="0"/>
+              <a:buChar char="•"/>
+            </a:pPr>
+            <a:r>
+              <a:rPr lang="en-US" b="1" dirty="0" err="1">
+                <a:solidFill>
+                  <a:schemeClr val="bg1"/>
+                </a:solidFill>
+              </a:rPr>
+              <a:t>eFG</a:t>
+            </a:r>
+            <a:r>
+              <a:rPr lang="en-US" b="1" dirty="0">
+                <a:solidFill>
+                  <a:schemeClr val="bg1"/>
+                </a:solidFill>
+              </a:rPr>
+              <a:t>% </a:t>
+            </a:r>
+          </a:p>
+          <a:p>
+            <a:pPr marL="342900" indent="-342900">
+              <a:buFont typeface="Arial" panose="020B0604020202020204" pitchFamily="34" charset="0"/>
+              <a:buChar char="•"/>
+            </a:pPr>
+            <a:r>
+              <a:rPr lang="en-US" b="1" dirty="0">
+                <a:solidFill>
+                  <a:schemeClr val="bg1"/>
+                </a:solidFill>
+              </a:rPr>
+              <a:t>FT </a:t>
+            </a:r>
+          </a:p>
+          <a:p>
+            <a:pPr marL="342900" indent="-342900">
+              <a:buFont typeface="Arial" panose="020B0604020202020204" pitchFamily="34" charset="0"/>
+              <a:buChar char="•"/>
+            </a:pPr>
+            <a:r>
+              <a:rPr lang="en-US" b="1" dirty="0">
+                <a:solidFill>
+                  <a:schemeClr val="bg1"/>
+                </a:solidFill>
+              </a:rPr>
+              <a:t>FTA </a:t>
+            </a:r>
+          </a:p>
+          <a:p>
+            <a:pPr marL="342900" indent="-342900">
+              <a:buFont typeface="Arial" panose="020B0604020202020204" pitchFamily="34" charset="0"/>
+              <a:buChar char="•"/>
+            </a:pPr>
+            <a:r>
+              <a:rPr lang="en-US" b="1" dirty="0">
+                <a:solidFill>
+                  <a:schemeClr val="bg1"/>
+                </a:solidFill>
+              </a:rPr>
+              <a:t>FT% </a:t>
+            </a:r>
+          </a:p>
+          <a:p>
+            <a:pPr marL="342900" indent="-342900">
+              <a:buFont typeface="Arial" panose="020B0604020202020204" pitchFamily="34" charset="0"/>
+              <a:buChar char="•"/>
+            </a:pPr>
+            <a:r>
+              <a:rPr lang="en-US" b="1" dirty="0">
+                <a:solidFill>
+                  <a:schemeClr val="bg1"/>
+                </a:solidFill>
+              </a:rPr>
+              <a:t>ORB</a:t>
+            </a:r>
+          </a:p>
+          <a:p>
+            <a:pPr marL="342900" indent="-342900">
+              <a:buFont typeface="Arial" panose="020B0604020202020204" pitchFamily="34" charset="0"/>
+              <a:buChar char="•"/>
+            </a:pPr>
+            <a:r>
+              <a:rPr lang="en-US" b="1" dirty="0">
+                <a:solidFill>
+                  <a:schemeClr val="bg1"/>
+                </a:solidFill>
+              </a:rPr>
+              <a:t>DRB </a:t>
+            </a:r>
+          </a:p>
+          <a:p>
+            <a:pPr marL="342900" indent="-342900">
+              <a:buFont typeface="Arial" panose="020B0604020202020204" pitchFamily="34" charset="0"/>
+              <a:buChar char="•"/>
+            </a:pPr>
+            <a:r>
+              <a:rPr lang="en-US" b="1" dirty="0">
+                <a:solidFill>
+                  <a:schemeClr val="bg1"/>
+                </a:solidFill>
+              </a:rPr>
+              <a:t>TRB </a:t>
+            </a:r>
+          </a:p>
+          <a:p>
+            <a:pPr marL="342900" indent="-342900">
+              <a:buFont typeface="Arial" panose="020B0604020202020204" pitchFamily="34" charset="0"/>
+              <a:buChar char="•"/>
+            </a:pPr>
+            <a:r>
+              <a:rPr lang="en-US" b="1" dirty="0">
+                <a:solidFill>
+                  <a:schemeClr val="bg1"/>
+                </a:solidFill>
+              </a:rPr>
+              <a:t>AST </a:t>
+            </a:r>
+          </a:p>
+          <a:p>
+            <a:pPr marL="342900" indent="-342900">
+              <a:buFont typeface="Arial" panose="020B0604020202020204" pitchFamily="34" charset="0"/>
+              <a:buChar char="•"/>
+            </a:pPr>
+            <a:r>
+              <a:rPr lang="en-US" b="1" dirty="0">
+                <a:solidFill>
+                  <a:schemeClr val="bg1"/>
+                </a:solidFill>
+              </a:rPr>
+              <a:t>STL </a:t>
+            </a:r>
+          </a:p>
+          <a:p>
+            <a:pPr marL="342900" indent="-342900">
+              <a:buFont typeface="Arial" panose="020B0604020202020204" pitchFamily="34" charset="0"/>
+              <a:buChar char="•"/>
+            </a:pPr>
+            <a:r>
+              <a:rPr lang="en-US" b="1" dirty="0">
+                <a:solidFill>
+                  <a:schemeClr val="bg1"/>
+                </a:solidFill>
+              </a:rPr>
+              <a:t>BLK </a:t>
+            </a:r>
+          </a:p>
+          <a:p>
+            <a:pPr marL="342900" indent="-342900">
+              <a:buFont typeface="Arial" panose="020B0604020202020204" pitchFamily="34" charset="0"/>
+              <a:buChar char="•"/>
+            </a:pPr>
+            <a:r>
+              <a:rPr lang="en-US" b="1" dirty="0">
+                <a:solidFill>
+                  <a:schemeClr val="bg1"/>
+                </a:solidFill>
+              </a:rPr>
+              <a:t>TOV </a:t>
+            </a:r>
+          </a:p>
+          <a:p>
+            <a:pPr marL="342900" indent="-342900">
+              <a:buFont typeface="Arial" panose="020B0604020202020204" pitchFamily="34" charset="0"/>
+              <a:buChar char="•"/>
+            </a:pPr>
+            <a:r>
+              <a:rPr lang="en-US" b="1" dirty="0">
+                <a:solidFill>
+                  <a:schemeClr val="bg1"/>
+                </a:solidFill>
+              </a:rPr>
+              <a:t>PF </a:t>
+            </a:r>
+          </a:p>
+          <a:p>
+            <a:pPr marL="342900" indent="-342900">
+              <a:buFont typeface="Arial" panose="020B0604020202020204" pitchFamily="34" charset="0"/>
+              <a:buChar char="•"/>
+            </a:pPr>
+            <a:r>
+              <a:rPr lang="en-US" b="1" dirty="0">
+                <a:solidFill>
+                  <a:schemeClr val="bg1"/>
+                </a:solidFill>
+              </a:rPr>
+              <a:t>PTS </a:t>
+            </a:r>
+          </a:p>
+          <a:p>
+            <a:pPr marL="342900" indent="-342900">
+              <a:buFont typeface="Arial" panose="020B0604020202020204" pitchFamily="34" charset="0"/>
+              <a:buChar char="•"/>
+            </a:pPr>
+            <a:r>
+              <a:rPr lang="en-US" b="1" dirty="0">
+                <a:solidFill>
+                  <a:schemeClr val="bg1"/>
+                </a:solidFill>
+              </a:rPr>
+              <a:t>Year start </a:t>
+            </a:r>
+          </a:p>
+          <a:p>
+            <a:pPr marL="342900" indent="-342900">
+              <a:buFont typeface="Arial" panose="020B0604020202020204" pitchFamily="34" charset="0"/>
+              <a:buChar char="•"/>
+            </a:pPr>
+            <a:r>
+              <a:rPr lang="en-US" b="1" dirty="0">
+                <a:solidFill>
+                  <a:schemeClr val="bg1"/>
+                </a:solidFill>
+              </a:rPr>
+              <a:t>Year end </a:t>
+            </a:r>
+          </a:p>
+          <a:p>
+            <a:pPr marL="342900" indent="-342900">
+              <a:buFont typeface="Arial" panose="020B0604020202020204" pitchFamily="34" charset="0"/>
+              <a:buChar char="•"/>
+            </a:pPr>
+            <a:r>
+              <a:rPr lang="en-US" b="1" dirty="0">
+                <a:solidFill>
+                  <a:schemeClr val="bg1"/>
+                </a:solidFill>
+              </a:rPr>
+              <a:t>height </a:t>
+            </a:r>
+          </a:p>
+          <a:p>
+            <a:pPr marL="342900" indent="-342900">
+              <a:buFont typeface="Arial" panose="020B0604020202020204" pitchFamily="34" charset="0"/>
+              <a:buChar char="•"/>
+            </a:pPr>
+            <a:r>
+              <a:rPr lang="en-US" b="1" dirty="0">
+                <a:solidFill>
+                  <a:schemeClr val="bg1"/>
+                </a:solidFill>
+              </a:rPr>
+              <a:t>weight </a:t>
+            </a:r>
+          </a:p>
+          <a:p>
+            <a:pPr marL="342900" indent="-342900">
+              <a:buFont typeface="Arial" panose="020B0604020202020204" pitchFamily="34" charset="0"/>
+              <a:buChar char="•"/>
+            </a:pPr>
+            <a:r>
+              <a:rPr lang="en-US" b="1" dirty="0">
+                <a:solidFill>
+                  <a:schemeClr val="bg1"/>
+                </a:solidFill>
+              </a:rPr>
+              <a:t>Birth date </a:t>
+            </a:r>
+          </a:p>
+          <a:p>
+            <a:pPr marL="342900" indent="-342900">
+              <a:buFont typeface="Arial" panose="020B0604020202020204" pitchFamily="34" charset="0"/>
+              <a:buChar char="•"/>
+            </a:pPr>
+            <a:r>
+              <a:rPr lang="en-US" b="1" dirty="0">
+                <a:solidFill>
+                  <a:schemeClr val="bg1"/>
+                </a:solidFill>
+              </a:rPr>
+              <a:t>college </a:t>
+            </a:r>
+          </a:p>
+          <a:p>
+            <a:pPr marL="342900" indent="-342900">
+              <a:buFont typeface="Arial" panose="020B0604020202020204" pitchFamily="34" charset="0"/>
+              <a:buChar char="•"/>
+            </a:pPr>
+            <a:r>
+              <a:rPr lang="en-US" b="1" dirty="0">
+                <a:solidFill>
+                  <a:schemeClr val="bg1"/>
+                </a:solidFill>
+              </a:rPr>
+              <a:t>City </a:t>
+            </a:r>
+          </a:p>
+          <a:p>
+            <a:pPr marL="342900" indent="-342900">
+              <a:buFont typeface="Arial" panose="020B0604020202020204" pitchFamily="34" charset="0"/>
+              <a:buChar char="•"/>
+            </a:pPr>
+            <a:r>
+              <a:rPr lang="en-US" b="1" dirty="0">
+                <a:solidFill>
+                  <a:schemeClr val="bg1"/>
+                </a:solidFill>
+              </a:rPr>
+              <a:t>State/country </a:t>
             </a:r>
           </a:p>
         </p:txBody>
@@ -6968,7 +7190,7 @@
     </p:spTree>
     <p:extLst>
       <p:ext uri="{BB962C8B-B14F-4D97-AF65-F5344CB8AC3E}">
-        <p14:creationId xmlns:p14="http://schemas.microsoft.com/office/powerpoint/2010/main" val="129765770"/>
+        <p14:creationId xmlns:p14="http://schemas.microsoft.com/office/powerpoint/2010/main" val="1621783890"/>
       </p:ext>
     </p:extLst>
   </p:cSld>
@@ -7000,7 +7222,7 @@
           <p:cNvPr id="2" name="Title 1">
             <a:extLst>
               <a:ext uri="{FF2B5EF4-FFF2-40B4-BE49-F238E27FC236}">
-                <a16:creationId xmlns:a16="http://schemas.microsoft.com/office/drawing/2014/main" id="{884E0EE8-7CA5-4B9F-86BC-52DCC3023B5D}"/>
+                <a16:creationId xmlns:a16="http://schemas.microsoft.com/office/drawing/2014/main" id="{2C3CD741-B47B-4F16-BA32-CAC0C0B89D51}"/>
               </a:ext>
             </a:extLst>
           </p:cNvPr>
@@ -7014,7 +7236,7 @@
         <p:spPr>
           <a:xfrm>
             <a:off x="684212" y="685799"/>
-            <a:ext cx="9591902" cy="1230087"/>
+            <a:ext cx="11081964" cy="1660713"/>
           </a:xfrm>
         </p:spPr>
         <p:txBody>
@@ -7025,6 +7247,48 @@
             <a:r>
               <a:rPr lang="en-US" dirty="0"/>
               <a:t>Question and Answer time</a:t>
+            </a:r>
+            <a:br>
+              <a:rPr lang="en-US" dirty="0"/>
+            </a:br>
+            <a:endParaRPr lang="en-US" dirty="0"/>
+          </a:p>
+        </p:txBody>
+      </p:sp>
+      <p:sp>
+        <p:nvSpPr>
+          <p:cNvPr id="3" name="Subtitle 2">
+            <a:extLst>
+              <a:ext uri="{FF2B5EF4-FFF2-40B4-BE49-F238E27FC236}">
+                <a16:creationId xmlns:a16="http://schemas.microsoft.com/office/drawing/2014/main" id="{FC6C2587-93AA-4992-B1AA-CA4CA648B157}"/>
+              </a:ext>
+            </a:extLst>
+          </p:cNvPr>
+          <p:cNvSpPr>
+            <a:spLocks noGrp="1"/>
+          </p:cNvSpPr>
+          <p:nvPr>
+            <p:ph type="subTitle" idx="1"/>
+          </p:nvPr>
+        </p:nvSpPr>
+        <p:spPr>
+          <a:xfrm>
+            <a:off x="684211" y="3843867"/>
+            <a:ext cx="11081964" cy="1947333"/>
+          </a:xfrm>
+        </p:spPr>
+        <p:txBody>
+          <a:bodyPr/>
+          <a:lstStyle/>
+          <a:p>
+            <a:pPr algn="ctr"/>
+            <a:r>
+              <a:rPr lang="en-US" dirty="0">
+                <a:solidFill>
+                  <a:schemeClr val="tx1"/>
+                </a:solidFill>
+              </a:rPr>
+              <a:t>Volunteers?</a:t>
             </a:r>
           </a:p>
         </p:txBody>
@@ -7032,7 +7296,7 @@
     </p:spTree>
     <p:extLst>
       <p:ext uri="{BB962C8B-B14F-4D97-AF65-F5344CB8AC3E}">
-        <p14:creationId xmlns:p14="http://schemas.microsoft.com/office/powerpoint/2010/main" val="263081068"/>
+        <p14:creationId xmlns:p14="http://schemas.microsoft.com/office/powerpoint/2010/main" val="129765770"/>
       </p:ext>
     </p:extLst>
   </p:cSld>
